--- a/docs/images/project-pics.pptx
+++ b/docs/images/project-pics.pptx
@@ -2,18 +2,19 @@
 <file path=ppt/presentation.xml><?xml version="1.0" encoding="utf-8"?>
 <p:presentation xmlns:a="http://schemas.openxmlformats.org/drawingml/2006/main" xmlns:r="http://schemas.openxmlformats.org/officeDocument/2006/relationships" xmlns:p="http://schemas.openxmlformats.org/presentationml/2006/main" saveSubsetFonts="1" autoCompressPictures="0">
   <p:sldMasterIdLst>
-    <p:sldMasterId id="2147483648" r:id="rId1"/>
+    <p:sldMasterId id="2147483744" r:id="rId1"/>
   </p:sldMasterIdLst>
   <p:sldIdLst>
     <p:sldId id="256" r:id="rId2"/>
+    <p:sldId id="257" r:id="rId3"/>
   </p:sldIdLst>
-  <p:sldSz cx="12192000" cy="6858000"/>
+  <p:sldSz cx="6858000" cy="13679488"/>
   <p:notesSz cx="6858000" cy="9144000"/>
   <p:defaultTextStyle>
     <a:defPPr>
       <a:defRPr lang="en-US"/>
     </a:defPPr>
-    <a:lvl1pPr marL="0" algn="l" defTabSz="914400" rtl="0" eaLnBrk="1" latinLnBrk="0" hangingPunct="1">
+    <a:lvl1pPr marL="0" algn="l" defTabSz="457200" rtl="0" eaLnBrk="1" latinLnBrk="0" hangingPunct="1">
       <a:defRPr sz="1800" kern="1200">
         <a:solidFill>
           <a:schemeClr val="tx1"/>
@@ -23,7 +24,7 @@
         <a:cs typeface="+mn-cs"/>
       </a:defRPr>
     </a:lvl1pPr>
-    <a:lvl2pPr marL="457200" algn="l" defTabSz="914400" rtl="0" eaLnBrk="1" latinLnBrk="0" hangingPunct="1">
+    <a:lvl2pPr marL="457200" algn="l" defTabSz="457200" rtl="0" eaLnBrk="1" latinLnBrk="0" hangingPunct="1">
       <a:defRPr sz="1800" kern="1200">
         <a:solidFill>
           <a:schemeClr val="tx1"/>
@@ -33,7 +34,7 @@
         <a:cs typeface="+mn-cs"/>
       </a:defRPr>
     </a:lvl2pPr>
-    <a:lvl3pPr marL="914400" algn="l" defTabSz="914400" rtl="0" eaLnBrk="1" latinLnBrk="0" hangingPunct="1">
+    <a:lvl3pPr marL="914400" algn="l" defTabSz="457200" rtl="0" eaLnBrk="1" latinLnBrk="0" hangingPunct="1">
       <a:defRPr sz="1800" kern="1200">
         <a:solidFill>
           <a:schemeClr val="tx1"/>
@@ -43,7 +44,7 @@
         <a:cs typeface="+mn-cs"/>
       </a:defRPr>
     </a:lvl3pPr>
-    <a:lvl4pPr marL="1371600" algn="l" defTabSz="914400" rtl="0" eaLnBrk="1" latinLnBrk="0" hangingPunct="1">
+    <a:lvl4pPr marL="1371600" algn="l" defTabSz="457200" rtl="0" eaLnBrk="1" latinLnBrk="0" hangingPunct="1">
       <a:defRPr sz="1800" kern="1200">
         <a:solidFill>
           <a:schemeClr val="tx1"/>
@@ -53,7 +54,7 @@
         <a:cs typeface="+mn-cs"/>
       </a:defRPr>
     </a:lvl4pPr>
-    <a:lvl5pPr marL="1828800" algn="l" defTabSz="914400" rtl="0" eaLnBrk="1" latinLnBrk="0" hangingPunct="1">
+    <a:lvl5pPr marL="1828800" algn="l" defTabSz="457200" rtl="0" eaLnBrk="1" latinLnBrk="0" hangingPunct="1">
       <a:defRPr sz="1800" kern="1200">
         <a:solidFill>
           <a:schemeClr val="tx1"/>
@@ -63,7 +64,7 @@
         <a:cs typeface="+mn-cs"/>
       </a:defRPr>
     </a:lvl5pPr>
-    <a:lvl6pPr marL="2286000" algn="l" defTabSz="914400" rtl="0" eaLnBrk="1" latinLnBrk="0" hangingPunct="1">
+    <a:lvl6pPr marL="2286000" algn="l" defTabSz="457200" rtl="0" eaLnBrk="1" latinLnBrk="0" hangingPunct="1">
       <a:defRPr sz="1800" kern="1200">
         <a:solidFill>
           <a:schemeClr val="tx1"/>
@@ -73,7 +74,7 @@
         <a:cs typeface="+mn-cs"/>
       </a:defRPr>
     </a:lvl6pPr>
-    <a:lvl7pPr marL="2743200" algn="l" defTabSz="914400" rtl="0" eaLnBrk="1" latinLnBrk="0" hangingPunct="1">
+    <a:lvl7pPr marL="2743200" algn="l" defTabSz="457200" rtl="0" eaLnBrk="1" latinLnBrk="0" hangingPunct="1">
       <a:defRPr sz="1800" kern="1200">
         <a:solidFill>
           <a:schemeClr val="tx1"/>
@@ -83,7 +84,7 @@
         <a:cs typeface="+mn-cs"/>
       </a:defRPr>
     </a:lvl7pPr>
-    <a:lvl8pPr marL="3200400" algn="l" defTabSz="914400" rtl="0" eaLnBrk="1" latinLnBrk="0" hangingPunct="1">
+    <a:lvl8pPr marL="3200400" algn="l" defTabSz="457200" rtl="0" eaLnBrk="1" latinLnBrk="0" hangingPunct="1">
       <a:defRPr sz="1800" kern="1200">
         <a:solidFill>
           <a:schemeClr val="tx1"/>
@@ -93,7 +94,7 @@
         <a:cs typeface="+mn-cs"/>
       </a:defRPr>
     </a:lvl8pPr>
-    <a:lvl9pPr marL="3657600" algn="l" defTabSz="914400" rtl="0" eaLnBrk="1" latinLnBrk="0" hangingPunct="1">
+    <a:lvl9pPr marL="3657600" algn="l" defTabSz="457200" rtl="0" eaLnBrk="1" latinLnBrk="0" hangingPunct="1">
       <a:defRPr sz="1800" kern="1200">
         <a:solidFill>
           <a:schemeClr val="tx1"/>
@@ -104,6 +105,11 @@
       </a:defRPr>
     </a:lvl9pPr>
   </p:defaultTextStyle>
+  <p:extLst>
+    <p:ext uri="{EFAFB233-063F-42B5-8137-9DF3F51BA10A}">
+      <p15:sldGuideLst xmlns:p15="http://schemas.microsoft.com/office/powerpoint/2012/main"/>
+    </p:ext>
+  </p:extLst>
 </p:presentation>
 </file>
 
@@ -126,13 +132,7 @@
       </p:grpSpPr>
       <p:sp>
         <p:nvSpPr>
-          <p:cNvPr id="2" name="Title 1">
-            <a:extLst>
-              <a:ext uri="{FF2B5EF4-FFF2-40B4-BE49-F238E27FC236}">
-                <a16:creationId xmlns:a16="http://schemas.microsoft.com/office/drawing/2014/main" id="{4FC1E505-346E-9840-BAF4-C407EBC1C275}"/>
-              </a:ext>
-            </a:extLst>
-          </p:cNvPr>
+          <p:cNvPr id="2" name="Title 1"/>
           <p:cNvSpPr>
             <a:spLocks noGrp="1"/>
           </p:cNvSpPr>
@@ -142,15 +142,15 @@
         </p:nvSpPr>
         <p:spPr>
           <a:xfrm>
-            <a:off x="1524000" y="1122363"/>
-            <a:ext cx="9144000" cy="2387600"/>
+            <a:off x="514350" y="2238751"/>
+            <a:ext cx="5829300" cy="4762488"/>
           </a:xfrm>
         </p:spPr>
         <p:txBody>
           <a:bodyPr anchor="b"/>
           <a:lstStyle>
             <a:lvl1pPr algn="ctr">
-              <a:defRPr sz="6000"/>
+              <a:defRPr sz="4500"/>
             </a:lvl1pPr>
           </a:lstStyle>
           <a:p>
@@ -158,19 +158,13 @@
               <a:rPr lang="en-GB"/>
               <a:t>Click to edit Master title style</a:t>
             </a:r>
-            <a:endParaRPr lang="en-CA"/>
-          </a:p>
-        </p:txBody>
-      </p:sp>
-      <p:sp>
-        <p:nvSpPr>
-          <p:cNvPr id="3" name="Subtitle 2">
-            <a:extLst>
-              <a:ext uri="{FF2B5EF4-FFF2-40B4-BE49-F238E27FC236}">
-                <a16:creationId xmlns:a16="http://schemas.microsoft.com/office/drawing/2014/main" id="{7DD3105D-7665-2143-8082-2DABC5373D13}"/>
-              </a:ext>
-            </a:extLst>
-          </p:cNvPr>
+            <a:endParaRPr lang="en-US" dirty="0"/>
+          </a:p>
+        </p:txBody>
+      </p:sp>
+      <p:sp>
+        <p:nvSpPr>
+          <p:cNvPr id="3" name="Subtitle 2"/>
           <p:cNvSpPr>
             <a:spLocks noGrp="1"/>
           </p:cNvSpPr>
@@ -180,8 +174,8 @@
         </p:nvSpPr>
         <p:spPr>
           <a:xfrm>
-            <a:off x="1524000" y="3602038"/>
-            <a:ext cx="9144000" cy="1655762"/>
+            <a:off x="857250" y="7184899"/>
+            <a:ext cx="5143500" cy="3302709"/>
           </a:xfrm>
         </p:spPr>
         <p:txBody>
@@ -189,39 +183,39 @@
           <a:lstStyle>
             <a:lvl1pPr marL="0" indent="0" algn="ctr">
               <a:buNone/>
-              <a:defRPr sz="2400"/>
+              <a:defRPr sz="1800"/>
             </a:lvl1pPr>
-            <a:lvl2pPr marL="457200" indent="0" algn="ctr">
-              <a:buNone/>
-              <a:defRPr sz="2000"/>
+            <a:lvl2pPr marL="342900" indent="0" algn="ctr">
+              <a:buNone/>
+              <a:defRPr sz="1500"/>
             </a:lvl2pPr>
-            <a:lvl3pPr marL="914400" indent="0" algn="ctr">
-              <a:buNone/>
-              <a:defRPr sz="1800"/>
+            <a:lvl3pPr marL="685800" indent="0" algn="ctr">
+              <a:buNone/>
+              <a:defRPr sz="1350"/>
             </a:lvl3pPr>
-            <a:lvl4pPr marL="1371600" indent="0" algn="ctr">
-              <a:buNone/>
-              <a:defRPr sz="1600"/>
+            <a:lvl4pPr marL="1028700" indent="0" algn="ctr">
+              <a:buNone/>
+              <a:defRPr sz="1200"/>
             </a:lvl4pPr>
-            <a:lvl5pPr marL="1828800" indent="0" algn="ctr">
-              <a:buNone/>
-              <a:defRPr sz="1600"/>
+            <a:lvl5pPr marL="1371600" indent="0" algn="ctr">
+              <a:buNone/>
+              <a:defRPr sz="1200"/>
             </a:lvl5pPr>
-            <a:lvl6pPr marL="2286000" indent="0" algn="ctr">
-              <a:buNone/>
-              <a:defRPr sz="1600"/>
+            <a:lvl6pPr marL="1714500" indent="0" algn="ctr">
+              <a:buNone/>
+              <a:defRPr sz="1200"/>
             </a:lvl6pPr>
-            <a:lvl7pPr marL="2743200" indent="0" algn="ctr">
-              <a:buNone/>
-              <a:defRPr sz="1600"/>
+            <a:lvl7pPr marL="2057400" indent="0" algn="ctr">
+              <a:buNone/>
+              <a:defRPr sz="1200"/>
             </a:lvl7pPr>
-            <a:lvl8pPr marL="3200400" indent="0" algn="ctr">
-              <a:buNone/>
-              <a:defRPr sz="1600"/>
+            <a:lvl8pPr marL="2400300" indent="0" algn="ctr">
+              <a:buNone/>
+              <a:defRPr sz="1200"/>
             </a:lvl8pPr>
-            <a:lvl9pPr marL="3657600" indent="0" algn="ctr">
-              <a:buNone/>
-              <a:defRPr sz="1600"/>
+            <a:lvl9pPr marL="2743200" indent="0" algn="ctr">
+              <a:buNone/>
+              <a:defRPr sz="1200"/>
             </a:lvl9pPr>
           </a:lstStyle>
           <a:p>
@@ -229,19 +223,13 @@
               <a:rPr lang="en-GB"/>
               <a:t>Click to edit Master subtitle style</a:t>
             </a:r>
-            <a:endParaRPr lang="en-CA"/>
-          </a:p>
-        </p:txBody>
-      </p:sp>
-      <p:sp>
-        <p:nvSpPr>
-          <p:cNvPr id="4" name="Date Placeholder 3">
-            <a:extLst>
-              <a:ext uri="{FF2B5EF4-FFF2-40B4-BE49-F238E27FC236}">
-                <a16:creationId xmlns:a16="http://schemas.microsoft.com/office/drawing/2014/main" id="{A932CB38-7953-F14F-A4CC-C4F144F4D0F8}"/>
-              </a:ext>
-            </a:extLst>
-          </p:cNvPr>
+            <a:endParaRPr lang="en-US" dirty="0"/>
+          </a:p>
+        </p:txBody>
+      </p:sp>
+      <p:sp>
+        <p:nvSpPr>
+          <p:cNvPr id="4" name="Date Placeholder 3"/>
           <p:cNvSpPr>
             <a:spLocks noGrp="1"/>
           </p:cNvSpPr>
@@ -256,7 +244,7 @@
           <a:p>
             <a:fld id="{D01223D9-FD7C-2044-ACA2-9C254C65F6F3}" type="datetimeFigureOut">
               <a:rPr lang="en-CA" smtClean="0"/>
-              <a:t>2022-02-14</a:t>
+              <a:t>2022-03-10</a:t>
             </a:fld>
             <a:endParaRPr lang="en-CA"/>
           </a:p>
@@ -264,13 +252,7 @@
       </p:sp>
       <p:sp>
         <p:nvSpPr>
-          <p:cNvPr id="5" name="Footer Placeholder 4">
-            <a:extLst>
-              <a:ext uri="{FF2B5EF4-FFF2-40B4-BE49-F238E27FC236}">
-                <a16:creationId xmlns:a16="http://schemas.microsoft.com/office/drawing/2014/main" id="{EE64DCAC-DBCD-3D4F-B0B4-97D2DD8F1F38}"/>
-              </a:ext>
-            </a:extLst>
-          </p:cNvPr>
+          <p:cNvPr id="5" name="Footer Placeholder 4"/>
           <p:cNvSpPr>
             <a:spLocks noGrp="1"/>
           </p:cNvSpPr>
@@ -289,13 +271,7 @@
       </p:sp>
       <p:sp>
         <p:nvSpPr>
-          <p:cNvPr id="6" name="Slide Number Placeholder 5">
-            <a:extLst>
-              <a:ext uri="{FF2B5EF4-FFF2-40B4-BE49-F238E27FC236}">
-                <a16:creationId xmlns:a16="http://schemas.microsoft.com/office/drawing/2014/main" id="{457AC2DA-5320-CE4C-AB0C-4601A2A1BC1B}"/>
-              </a:ext>
-            </a:extLst>
-          </p:cNvPr>
+          <p:cNvPr id="6" name="Slide Number Placeholder 5"/>
           <p:cNvSpPr>
             <a:spLocks noGrp="1"/>
           </p:cNvSpPr>
@@ -319,7 +295,7 @@
     </p:spTree>
     <p:extLst>
       <p:ext uri="{BB962C8B-B14F-4D97-AF65-F5344CB8AC3E}">
-        <p14:creationId xmlns:p14="http://schemas.microsoft.com/office/powerpoint/2010/main" val="919516023"/>
+        <p14:creationId xmlns:p14="http://schemas.microsoft.com/office/powerpoint/2010/main" val="2714504961"/>
       </p:ext>
     </p:extLst>
   </p:cSld>
@@ -348,13 +324,7 @@
       </p:grpSpPr>
       <p:sp>
         <p:nvSpPr>
-          <p:cNvPr id="2" name="Title 1">
-            <a:extLst>
-              <a:ext uri="{FF2B5EF4-FFF2-40B4-BE49-F238E27FC236}">
-                <a16:creationId xmlns:a16="http://schemas.microsoft.com/office/drawing/2014/main" id="{E9119F7D-3114-A34D-BD6F-6556B5134A5C}"/>
-              </a:ext>
-            </a:extLst>
-          </p:cNvPr>
+          <p:cNvPr id="2" name="Title 1"/>
           <p:cNvSpPr>
             <a:spLocks noGrp="1"/>
           </p:cNvSpPr>
@@ -371,19 +341,13 @@
               <a:rPr lang="en-GB"/>
               <a:t>Click to edit Master title style</a:t>
             </a:r>
-            <a:endParaRPr lang="en-CA"/>
-          </a:p>
-        </p:txBody>
-      </p:sp>
-      <p:sp>
-        <p:nvSpPr>
-          <p:cNvPr id="3" name="Vertical Text Placeholder 2">
-            <a:extLst>
-              <a:ext uri="{FF2B5EF4-FFF2-40B4-BE49-F238E27FC236}">
-                <a16:creationId xmlns:a16="http://schemas.microsoft.com/office/drawing/2014/main" id="{B785ED8F-6E12-BD49-BB01-9EED1EBD6653}"/>
-              </a:ext>
-            </a:extLst>
-          </p:cNvPr>
+            <a:endParaRPr lang="en-US" dirty="0"/>
+          </a:p>
+        </p:txBody>
+      </p:sp>
+      <p:sp>
+        <p:nvSpPr>
+          <p:cNvPr id="3" name="Vertical Text Placeholder 2"/>
           <p:cNvSpPr>
             <a:spLocks noGrp="1"/>
           </p:cNvSpPr>
@@ -429,19 +393,13 @@
               <a:rPr lang="en-GB"/>
               <a:t>Fifth level</a:t>
             </a:r>
-            <a:endParaRPr lang="en-CA"/>
-          </a:p>
-        </p:txBody>
-      </p:sp>
-      <p:sp>
-        <p:nvSpPr>
-          <p:cNvPr id="4" name="Date Placeholder 3">
-            <a:extLst>
-              <a:ext uri="{FF2B5EF4-FFF2-40B4-BE49-F238E27FC236}">
-                <a16:creationId xmlns:a16="http://schemas.microsoft.com/office/drawing/2014/main" id="{D90749CE-7FD0-1C4E-B43C-4EC3F6127C03}"/>
-              </a:ext>
-            </a:extLst>
-          </p:cNvPr>
+            <a:endParaRPr lang="en-US" dirty="0"/>
+          </a:p>
+        </p:txBody>
+      </p:sp>
+      <p:sp>
+        <p:nvSpPr>
+          <p:cNvPr id="4" name="Date Placeholder 3"/>
           <p:cNvSpPr>
             <a:spLocks noGrp="1"/>
           </p:cNvSpPr>
@@ -456,7 +414,7 @@
           <a:p>
             <a:fld id="{D01223D9-FD7C-2044-ACA2-9C254C65F6F3}" type="datetimeFigureOut">
               <a:rPr lang="en-CA" smtClean="0"/>
-              <a:t>2022-02-14</a:t>
+              <a:t>2022-03-10</a:t>
             </a:fld>
             <a:endParaRPr lang="en-CA"/>
           </a:p>
@@ -464,13 +422,7 @@
       </p:sp>
       <p:sp>
         <p:nvSpPr>
-          <p:cNvPr id="5" name="Footer Placeholder 4">
-            <a:extLst>
-              <a:ext uri="{FF2B5EF4-FFF2-40B4-BE49-F238E27FC236}">
-                <a16:creationId xmlns:a16="http://schemas.microsoft.com/office/drawing/2014/main" id="{DC75D0E1-DAD7-B440-8480-7D4D6C3C3FCE}"/>
-              </a:ext>
-            </a:extLst>
-          </p:cNvPr>
+          <p:cNvPr id="5" name="Footer Placeholder 4"/>
           <p:cNvSpPr>
             <a:spLocks noGrp="1"/>
           </p:cNvSpPr>
@@ -489,13 +441,7 @@
       </p:sp>
       <p:sp>
         <p:nvSpPr>
-          <p:cNvPr id="6" name="Slide Number Placeholder 5">
-            <a:extLst>
-              <a:ext uri="{FF2B5EF4-FFF2-40B4-BE49-F238E27FC236}">
-                <a16:creationId xmlns:a16="http://schemas.microsoft.com/office/drawing/2014/main" id="{C1F1A34B-C5FC-1544-BA1D-C0D4D9413720}"/>
-              </a:ext>
-            </a:extLst>
-          </p:cNvPr>
+          <p:cNvPr id="6" name="Slide Number Placeholder 5"/>
           <p:cNvSpPr>
             <a:spLocks noGrp="1"/>
           </p:cNvSpPr>
@@ -519,7 +465,7 @@
     </p:spTree>
     <p:extLst>
       <p:ext uri="{BB962C8B-B14F-4D97-AF65-F5344CB8AC3E}">
-        <p14:creationId xmlns:p14="http://schemas.microsoft.com/office/powerpoint/2010/main" val="1883746646"/>
+        <p14:creationId xmlns:p14="http://schemas.microsoft.com/office/powerpoint/2010/main" val="1817365596"/>
       </p:ext>
     </p:extLst>
   </p:cSld>
@@ -548,13 +494,7 @@
       </p:grpSpPr>
       <p:sp>
         <p:nvSpPr>
-          <p:cNvPr id="2" name="Vertical Title 1">
-            <a:extLst>
-              <a:ext uri="{FF2B5EF4-FFF2-40B4-BE49-F238E27FC236}">
-                <a16:creationId xmlns:a16="http://schemas.microsoft.com/office/drawing/2014/main" id="{DC1FBB13-E3B2-984C-863A-E541B6BE53AA}"/>
-              </a:ext>
-            </a:extLst>
-          </p:cNvPr>
+          <p:cNvPr id="2" name="Vertical Title 1"/>
           <p:cNvSpPr>
             <a:spLocks noGrp="1"/>
           </p:cNvSpPr>
@@ -564,8 +504,8 @@
         </p:nvSpPr>
         <p:spPr>
           <a:xfrm>
-            <a:off x="8724900" y="365125"/>
-            <a:ext cx="2628900" cy="5811838"/>
+            <a:off x="4907757" y="728306"/>
+            <a:ext cx="1478756" cy="11592734"/>
           </a:xfrm>
         </p:spPr>
         <p:txBody>
@@ -576,19 +516,13 @@
               <a:rPr lang="en-GB"/>
               <a:t>Click to edit Master title style</a:t>
             </a:r>
-            <a:endParaRPr lang="en-CA"/>
-          </a:p>
-        </p:txBody>
-      </p:sp>
-      <p:sp>
-        <p:nvSpPr>
-          <p:cNvPr id="3" name="Vertical Text Placeholder 2">
-            <a:extLst>
-              <a:ext uri="{FF2B5EF4-FFF2-40B4-BE49-F238E27FC236}">
-                <a16:creationId xmlns:a16="http://schemas.microsoft.com/office/drawing/2014/main" id="{5BE11FA5-DCBF-E54C-8036-B8CBCAE4BB35}"/>
-              </a:ext>
-            </a:extLst>
-          </p:cNvPr>
+            <a:endParaRPr lang="en-US" dirty="0"/>
+          </a:p>
+        </p:txBody>
+      </p:sp>
+      <p:sp>
+        <p:nvSpPr>
+          <p:cNvPr id="3" name="Vertical Text Placeholder 2"/>
           <p:cNvSpPr>
             <a:spLocks noGrp="1"/>
           </p:cNvSpPr>
@@ -598,8 +532,8 @@
         </p:nvSpPr>
         <p:spPr>
           <a:xfrm>
-            <a:off x="838200" y="365125"/>
-            <a:ext cx="7734300" cy="5811838"/>
+            <a:off x="471488" y="728306"/>
+            <a:ext cx="4350544" cy="11592734"/>
           </a:xfrm>
         </p:spPr>
         <p:txBody>
@@ -639,19 +573,13 @@
               <a:rPr lang="en-GB"/>
               <a:t>Fifth level</a:t>
             </a:r>
-            <a:endParaRPr lang="en-CA"/>
-          </a:p>
-        </p:txBody>
-      </p:sp>
-      <p:sp>
-        <p:nvSpPr>
-          <p:cNvPr id="4" name="Date Placeholder 3">
-            <a:extLst>
-              <a:ext uri="{FF2B5EF4-FFF2-40B4-BE49-F238E27FC236}">
-                <a16:creationId xmlns:a16="http://schemas.microsoft.com/office/drawing/2014/main" id="{DF9FD958-F880-B949-B8EF-350D8F715508}"/>
-              </a:ext>
-            </a:extLst>
-          </p:cNvPr>
+            <a:endParaRPr lang="en-US" dirty="0"/>
+          </a:p>
+        </p:txBody>
+      </p:sp>
+      <p:sp>
+        <p:nvSpPr>
+          <p:cNvPr id="4" name="Date Placeholder 3"/>
           <p:cNvSpPr>
             <a:spLocks noGrp="1"/>
           </p:cNvSpPr>
@@ -666,7 +594,7 @@
           <a:p>
             <a:fld id="{D01223D9-FD7C-2044-ACA2-9C254C65F6F3}" type="datetimeFigureOut">
               <a:rPr lang="en-CA" smtClean="0"/>
-              <a:t>2022-02-14</a:t>
+              <a:t>2022-03-10</a:t>
             </a:fld>
             <a:endParaRPr lang="en-CA"/>
           </a:p>
@@ -674,13 +602,7 @@
       </p:sp>
       <p:sp>
         <p:nvSpPr>
-          <p:cNvPr id="5" name="Footer Placeholder 4">
-            <a:extLst>
-              <a:ext uri="{FF2B5EF4-FFF2-40B4-BE49-F238E27FC236}">
-                <a16:creationId xmlns:a16="http://schemas.microsoft.com/office/drawing/2014/main" id="{9FBE4E7E-B6F0-9345-997C-88905D0C333C}"/>
-              </a:ext>
-            </a:extLst>
-          </p:cNvPr>
+          <p:cNvPr id="5" name="Footer Placeholder 4"/>
           <p:cNvSpPr>
             <a:spLocks noGrp="1"/>
           </p:cNvSpPr>
@@ -699,13 +621,7 @@
       </p:sp>
       <p:sp>
         <p:nvSpPr>
-          <p:cNvPr id="6" name="Slide Number Placeholder 5">
-            <a:extLst>
-              <a:ext uri="{FF2B5EF4-FFF2-40B4-BE49-F238E27FC236}">
-                <a16:creationId xmlns:a16="http://schemas.microsoft.com/office/drawing/2014/main" id="{16D4116F-8999-5648-A80B-0EEA476B4DA1}"/>
-              </a:ext>
-            </a:extLst>
-          </p:cNvPr>
+          <p:cNvPr id="6" name="Slide Number Placeholder 5"/>
           <p:cNvSpPr>
             <a:spLocks noGrp="1"/>
           </p:cNvSpPr>
@@ -729,7 +645,7 @@
     </p:spTree>
     <p:extLst>
       <p:ext uri="{BB962C8B-B14F-4D97-AF65-F5344CB8AC3E}">
-        <p14:creationId xmlns:p14="http://schemas.microsoft.com/office/powerpoint/2010/main" val="2131115226"/>
+        <p14:creationId xmlns:p14="http://schemas.microsoft.com/office/powerpoint/2010/main" val="1018332411"/>
       </p:ext>
     </p:extLst>
   </p:cSld>
@@ -758,13 +674,7 @@
       </p:grpSpPr>
       <p:sp>
         <p:nvSpPr>
-          <p:cNvPr id="2" name="Title 1">
-            <a:extLst>
-              <a:ext uri="{FF2B5EF4-FFF2-40B4-BE49-F238E27FC236}">
-                <a16:creationId xmlns:a16="http://schemas.microsoft.com/office/drawing/2014/main" id="{8ACD6EDC-2D3B-4347-9789-73AB5559174C}"/>
-              </a:ext>
-            </a:extLst>
-          </p:cNvPr>
+          <p:cNvPr id="2" name="Title 1"/>
           <p:cNvSpPr>
             <a:spLocks noGrp="1"/>
           </p:cNvSpPr>
@@ -781,19 +691,13 @@
               <a:rPr lang="en-GB"/>
               <a:t>Click to edit Master title style</a:t>
             </a:r>
-            <a:endParaRPr lang="en-CA"/>
-          </a:p>
-        </p:txBody>
-      </p:sp>
-      <p:sp>
-        <p:nvSpPr>
-          <p:cNvPr id="3" name="Content Placeholder 2">
-            <a:extLst>
-              <a:ext uri="{FF2B5EF4-FFF2-40B4-BE49-F238E27FC236}">
-                <a16:creationId xmlns:a16="http://schemas.microsoft.com/office/drawing/2014/main" id="{FB07F72C-C6DB-A743-8961-49CDF357BF63}"/>
-              </a:ext>
-            </a:extLst>
-          </p:cNvPr>
+            <a:endParaRPr lang="en-US" dirty="0"/>
+          </a:p>
+        </p:txBody>
+      </p:sp>
+      <p:sp>
+        <p:nvSpPr>
+          <p:cNvPr id="3" name="Content Placeholder 2"/>
           <p:cNvSpPr>
             <a:spLocks noGrp="1"/>
           </p:cNvSpPr>
@@ -839,19 +743,13 @@
               <a:rPr lang="en-GB"/>
               <a:t>Fifth level</a:t>
             </a:r>
-            <a:endParaRPr lang="en-CA"/>
-          </a:p>
-        </p:txBody>
-      </p:sp>
-      <p:sp>
-        <p:nvSpPr>
-          <p:cNvPr id="4" name="Date Placeholder 3">
-            <a:extLst>
-              <a:ext uri="{FF2B5EF4-FFF2-40B4-BE49-F238E27FC236}">
-                <a16:creationId xmlns:a16="http://schemas.microsoft.com/office/drawing/2014/main" id="{B910EF64-C89A-8C48-95EB-5CE30D35D7E0}"/>
-              </a:ext>
-            </a:extLst>
-          </p:cNvPr>
+            <a:endParaRPr lang="en-US" dirty="0"/>
+          </a:p>
+        </p:txBody>
+      </p:sp>
+      <p:sp>
+        <p:nvSpPr>
+          <p:cNvPr id="4" name="Date Placeholder 3"/>
           <p:cNvSpPr>
             <a:spLocks noGrp="1"/>
           </p:cNvSpPr>
@@ -866,7 +764,7 @@
           <a:p>
             <a:fld id="{D01223D9-FD7C-2044-ACA2-9C254C65F6F3}" type="datetimeFigureOut">
               <a:rPr lang="en-CA" smtClean="0"/>
-              <a:t>2022-02-14</a:t>
+              <a:t>2022-03-10</a:t>
             </a:fld>
             <a:endParaRPr lang="en-CA"/>
           </a:p>
@@ -874,13 +772,7 @@
       </p:sp>
       <p:sp>
         <p:nvSpPr>
-          <p:cNvPr id="5" name="Footer Placeholder 4">
-            <a:extLst>
-              <a:ext uri="{FF2B5EF4-FFF2-40B4-BE49-F238E27FC236}">
-                <a16:creationId xmlns:a16="http://schemas.microsoft.com/office/drawing/2014/main" id="{9E915DAE-52E4-8144-81FF-B4D74C2DE184}"/>
-              </a:ext>
-            </a:extLst>
-          </p:cNvPr>
+          <p:cNvPr id="5" name="Footer Placeholder 4"/>
           <p:cNvSpPr>
             <a:spLocks noGrp="1"/>
           </p:cNvSpPr>
@@ -899,13 +791,7 @@
       </p:sp>
       <p:sp>
         <p:nvSpPr>
-          <p:cNvPr id="6" name="Slide Number Placeholder 5">
-            <a:extLst>
-              <a:ext uri="{FF2B5EF4-FFF2-40B4-BE49-F238E27FC236}">
-                <a16:creationId xmlns:a16="http://schemas.microsoft.com/office/drawing/2014/main" id="{16DFB6BE-596A-994D-9247-989B4D4FFBD6}"/>
-              </a:ext>
-            </a:extLst>
-          </p:cNvPr>
+          <p:cNvPr id="6" name="Slide Number Placeholder 5"/>
           <p:cNvSpPr>
             <a:spLocks noGrp="1"/>
           </p:cNvSpPr>
@@ -929,7 +815,7 @@
     </p:spTree>
     <p:extLst>
       <p:ext uri="{BB962C8B-B14F-4D97-AF65-F5344CB8AC3E}">
-        <p14:creationId xmlns:p14="http://schemas.microsoft.com/office/powerpoint/2010/main" val="940662151"/>
+        <p14:creationId xmlns:p14="http://schemas.microsoft.com/office/powerpoint/2010/main" val="524003094"/>
       </p:ext>
     </p:extLst>
   </p:cSld>
@@ -958,13 +844,7 @@
       </p:grpSpPr>
       <p:sp>
         <p:nvSpPr>
-          <p:cNvPr id="2" name="Title 1">
-            <a:extLst>
-              <a:ext uri="{FF2B5EF4-FFF2-40B4-BE49-F238E27FC236}">
-                <a16:creationId xmlns:a16="http://schemas.microsoft.com/office/drawing/2014/main" id="{4CD1E600-5E6F-B34D-9A83-8EDCF3F1797D}"/>
-              </a:ext>
-            </a:extLst>
-          </p:cNvPr>
+          <p:cNvPr id="2" name="Title 1"/>
           <p:cNvSpPr>
             <a:spLocks noGrp="1"/>
           </p:cNvSpPr>
@@ -974,15 +854,15 @@
         </p:nvSpPr>
         <p:spPr>
           <a:xfrm>
-            <a:off x="831850" y="1709738"/>
-            <a:ext cx="10515600" cy="2852737"/>
+            <a:off x="467916" y="3410376"/>
+            <a:ext cx="5915025" cy="5690286"/>
           </a:xfrm>
         </p:spPr>
         <p:txBody>
           <a:bodyPr anchor="b"/>
           <a:lstStyle>
             <a:lvl1pPr>
-              <a:defRPr sz="6000"/>
+              <a:defRPr sz="4500"/>
             </a:lvl1pPr>
           </a:lstStyle>
           <a:p>
@@ -990,19 +870,13 @@
               <a:rPr lang="en-GB"/>
               <a:t>Click to edit Master title style</a:t>
             </a:r>
-            <a:endParaRPr lang="en-CA"/>
-          </a:p>
-        </p:txBody>
-      </p:sp>
-      <p:sp>
-        <p:nvSpPr>
-          <p:cNvPr id="3" name="Text Placeholder 2">
-            <a:extLst>
-              <a:ext uri="{FF2B5EF4-FFF2-40B4-BE49-F238E27FC236}">
-                <a16:creationId xmlns:a16="http://schemas.microsoft.com/office/drawing/2014/main" id="{66349D2C-35DE-3E46-AF00-77CA967DCCC3}"/>
-              </a:ext>
-            </a:extLst>
-          </p:cNvPr>
+            <a:endParaRPr lang="en-US" dirty="0"/>
+          </a:p>
+        </p:txBody>
+      </p:sp>
+      <p:sp>
+        <p:nvSpPr>
+          <p:cNvPr id="3" name="Text Placeholder 2"/>
           <p:cNvSpPr>
             <a:spLocks noGrp="1"/>
           </p:cNvSpPr>
@@ -1012,8 +886,8 @@
         </p:nvSpPr>
         <p:spPr>
           <a:xfrm>
-            <a:off x="831850" y="4589463"/>
-            <a:ext cx="10515600" cy="1500187"/>
+            <a:off x="467916" y="9154495"/>
+            <a:ext cx="5915025" cy="2992387"/>
           </a:xfrm>
         </p:spPr>
         <p:txBody>
@@ -1021,17 +895,15 @@
           <a:lstStyle>
             <a:lvl1pPr marL="0" indent="0">
               <a:buNone/>
-              <a:defRPr sz="2400">
+              <a:defRPr sz="1800">
                 <a:solidFill>
-                  <a:schemeClr val="tx1">
-                    <a:tint val="75000"/>
-                  </a:schemeClr>
+                  <a:schemeClr val="tx1"/>
                 </a:solidFill>
               </a:defRPr>
             </a:lvl1pPr>
-            <a:lvl2pPr marL="457200" indent="0">
-              <a:buNone/>
-              <a:defRPr sz="2000">
+            <a:lvl2pPr marL="342900" indent="0">
+              <a:buNone/>
+              <a:defRPr sz="1500">
                 <a:solidFill>
                   <a:schemeClr val="tx1">
                     <a:tint val="75000"/>
@@ -1039,9 +911,9 @@
                 </a:solidFill>
               </a:defRPr>
             </a:lvl2pPr>
-            <a:lvl3pPr marL="914400" indent="0">
-              <a:buNone/>
-              <a:defRPr sz="1800">
+            <a:lvl3pPr marL="685800" indent="0">
+              <a:buNone/>
+              <a:defRPr sz="1350">
                 <a:solidFill>
                   <a:schemeClr val="tx1">
                     <a:tint val="75000"/>
@@ -1049,9 +921,9 @@
                 </a:solidFill>
               </a:defRPr>
             </a:lvl3pPr>
-            <a:lvl4pPr marL="1371600" indent="0">
-              <a:buNone/>
-              <a:defRPr sz="1600">
+            <a:lvl4pPr marL="1028700" indent="0">
+              <a:buNone/>
+              <a:defRPr sz="1200">
                 <a:solidFill>
                   <a:schemeClr val="tx1">
                     <a:tint val="75000"/>
@@ -1059,9 +931,9 @@
                 </a:solidFill>
               </a:defRPr>
             </a:lvl4pPr>
-            <a:lvl5pPr marL="1828800" indent="0">
-              <a:buNone/>
-              <a:defRPr sz="1600">
+            <a:lvl5pPr marL="1371600" indent="0">
+              <a:buNone/>
+              <a:defRPr sz="1200">
                 <a:solidFill>
                   <a:schemeClr val="tx1">
                     <a:tint val="75000"/>
@@ -1069,9 +941,9 @@
                 </a:solidFill>
               </a:defRPr>
             </a:lvl5pPr>
-            <a:lvl6pPr marL="2286000" indent="0">
-              <a:buNone/>
-              <a:defRPr sz="1600">
+            <a:lvl6pPr marL="1714500" indent="0">
+              <a:buNone/>
+              <a:defRPr sz="1200">
                 <a:solidFill>
                   <a:schemeClr val="tx1">
                     <a:tint val="75000"/>
@@ -1079,9 +951,9 @@
                 </a:solidFill>
               </a:defRPr>
             </a:lvl6pPr>
-            <a:lvl7pPr marL="2743200" indent="0">
-              <a:buNone/>
-              <a:defRPr sz="1600">
+            <a:lvl7pPr marL="2057400" indent="0">
+              <a:buNone/>
+              <a:defRPr sz="1200">
                 <a:solidFill>
                   <a:schemeClr val="tx1">
                     <a:tint val="75000"/>
@@ -1089,9 +961,9 @@
                 </a:solidFill>
               </a:defRPr>
             </a:lvl7pPr>
-            <a:lvl8pPr marL="3200400" indent="0">
-              <a:buNone/>
-              <a:defRPr sz="1600">
+            <a:lvl8pPr marL="2400300" indent="0">
+              <a:buNone/>
+              <a:defRPr sz="1200">
                 <a:solidFill>
                   <a:schemeClr val="tx1">
                     <a:tint val="75000"/>
@@ -1099,9 +971,9 @@
                 </a:solidFill>
               </a:defRPr>
             </a:lvl8pPr>
-            <a:lvl9pPr marL="3657600" indent="0">
-              <a:buNone/>
-              <a:defRPr sz="1600">
+            <a:lvl9pPr marL="2743200" indent="0">
+              <a:buNone/>
+              <a:defRPr sz="1200">
                 <a:solidFill>
                   <a:schemeClr val="tx1">
                     <a:tint val="75000"/>
@@ -1121,13 +993,7 @@
       </p:sp>
       <p:sp>
         <p:nvSpPr>
-          <p:cNvPr id="4" name="Date Placeholder 3">
-            <a:extLst>
-              <a:ext uri="{FF2B5EF4-FFF2-40B4-BE49-F238E27FC236}">
-                <a16:creationId xmlns:a16="http://schemas.microsoft.com/office/drawing/2014/main" id="{29536F60-AD2E-3446-AAC0-2807FAA7541E}"/>
-              </a:ext>
-            </a:extLst>
-          </p:cNvPr>
+          <p:cNvPr id="4" name="Date Placeholder 3"/>
           <p:cNvSpPr>
             <a:spLocks noGrp="1"/>
           </p:cNvSpPr>
@@ -1142,7 +1008,7 @@
           <a:p>
             <a:fld id="{D01223D9-FD7C-2044-ACA2-9C254C65F6F3}" type="datetimeFigureOut">
               <a:rPr lang="en-CA" smtClean="0"/>
-              <a:t>2022-02-14</a:t>
+              <a:t>2022-03-10</a:t>
             </a:fld>
             <a:endParaRPr lang="en-CA"/>
           </a:p>
@@ -1150,13 +1016,7 @@
       </p:sp>
       <p:sp>
         <p:nvSpPr>
-          <p:cNvPr id="5" name="Footer Placeholder 4">
-            <a:extLst>
-              <a:ext uri="{FF2B5EF4-FFF2-40B4-BE49-F238E27FC236}">
-                <a16:creationId xmlns:a16="http://schemas.microsoft.com/office/drawing/2014/main" id="{7079C4B5-E5A1-2F45-A03E-984E95A1C2AF}"/>
-              </a:ext>
-            </a:extLst>
-          </p:cNvPr>
+          <p:cNvPr id="5" name="Footer Placeholder 4"/>
           <p:cNvSpPr>
             <a:spLocks noGrp="1"/>
           </p:cNvSpPr>
@@ -1175,13 +1035,7 @@
       </p:sp>
       <p:sp>
         <p:nvSpPr>
-          <p:cNvPr id="6" name="Slide Number Placeholder 5">
-            <a:extLst>
-              <a:ext uri="{FF2B5EF4-FFF2-40B4-BE49-F238E27FC236}">
-                <a16:creationId xmlns:a16="http://schemas.microsoft.com/office/drawing/2014/main" id="{4D969FCC-B3CA-1040-BEA4-06C3A5EE4E9F}"/>
-              </a:ext>
-            </a:extLst>
-          </p:cNvPr>
+          <p:cNvPr id="6" name="Slide Number Placeholder 5"/>
           <p:cNvSpPr>
             <a:spLocks noGrp="1"/>
           </p:cNvSpPr>
@@ -1205,7 +1059,7 @@
     </p:spTree>
     <p:extLst>
       <p:ext uri="{BB962C8B-B14F-4D97-AF65-F5344CB8AC3E}">
-        <p14:creationId xmlns:p14="http://schemas.microsoft.com/office/powerpoint/2010/main" val="3931652823"/>
+        <p14:creationId xmlns:p14="http://schemas.microsoft.com/office/powerpoint/2010/main" val="2015304756"/>
       </p:ext>
     </p:extLst>
   </p:cSld>
@@ -1234,13 +1088,7 @@
       </p:grpSpPr>
       <p:sp>
         <p:nvSpPr>
-          <p:cNvPr id="2" name="Title 1">
-            <a:extLst>
-              <a:ext uri="{FF2B5EF4-FFF2-40B4-BE49-F238E27FC236}">
-                <a16:creationId xmlns:a16="http://schemas.microsoft.com/office/drawing/2014/main" id="{DB27019E-6B62-5D42-A9B1-EF41FB33BF81}"/>
-              </a:ext>
-            </a:extLst>
-          </p:cNvPr>
+          <p:cNvPr id="2" name="Title 1"/>
           <p:cNvSpPr>
             <a:spLocks noGrp="1"/>
           </p:cNvSpPr>
@@ -1257,19 +1105,13 @@
               <a:rPr lang="en-GB"/>
               <a:t>Click to edit Master title style</a:t>
             </a:r>
-            <a:endParaRPr lang="en-CA"/>
-          </a:p>
-        </p:txBody>
-      </p:sp>
-      <p:sp>
-        <p:nvSpPr>
-          <p:cNvPr id="3" name="Content Placeholder 2">
-            <a:extLst>
-              <a:ext uri="{FF2B5EF4-FFF2-40B4-BE49-F238E27FC236}">
-                <a16:creationId xmlns:a16="http://schemas.microsoft.com/office/drawing/2014/main" id="{463E6857-34C5-0048-9CED-D96E75170600}"/>
-              </a:ext>
-            </a:extLst>
-          </p:cNvPr>
+            <a:endParaRPr lang="en-US" dirty="0"/>
+          </a:p>
+        </p:txBody>
+      </p:sp>
+      <p:sp>
+        <p:nvSpPr>
+          <p:cNvPr id="3" name="Content Placeholder 2"/>
           <p:cNvSpPr>
             <a:spLocks noGrp="1"/>
           </p:cNvSpPr>
@@ -1279,8 +1121,8 @@
         </p:nvSpPr>
         <p:spPr>
           <a:xfrm>
-            <a:off x="838200" y="1825625"/>
-            <a:ext cx="5181600" cy="4351338"/>
+            <a:off x="471488" y="3641531"/>
+            <a:ext cx="2914650" cy="8679509"/>
           </a:xfrm>
         </p:spPr>
         <p:txBody>
@@ -1320,19 +1162,13 @@
               <a:rPr lang="en-GB"/>
               <a:t>Fifth level</a:t>
             </a:r>
-            <a:endParaRPr lang="en-CA"/>
-          </a:p>
-        </p:txBody>
-      </p:sp>
-      <p:sp>
-        <p:nvSpPr>
-          <p:cNvPr id="4" name="Content Placeholder 3">
-            <a:extLst>
-              <a:ext uri="{FF2B5EF4-FFF2-40B4-BE49-F238E27FC236}">
-                <a16:creationId xmlns:a16="http://schemas.microsoft.com/office/drawing/2014/main" id="{0801FA56-66E3-B349-9126-3BDA801D391B}"/>
-              </a:ext>
-            </a:extLst>
-          </p:cNvPr>
+            <a:endParaRPr lang="en-US" dirty="0"/>
+          </a:p>
+        </p:txBody>
+      </p:sp>
+      <p:sp>
+        <p:nvSpPr>
+          <p:cNvPr id="4" name="Content Placeholder 3"/>
           <p:cNvSpPr>
             <a:spLocks noGrp="1"/>
           </p:cNvSpPr>
@@ -1342,8 +1178,8 @@
         </p:nvSpPr>
         <p:spPr>
           <a:xfrm>
-            <a:off x="6172200" y="1825625"/>
-            <a:ext cx="5181600" cy="4351338"/>
+            <a:off x="3471863" y="3641531"/>
+            <a:ext cx="2914650" cy="8679509"/>
           </a:xfrm>
         </p:spPr>
         <p:txBody>
@@ -1383,19 +1219,13 @@
               <a:rPr lang="en-GB"/>
               <a:t>Fifth level</a:t>
             </a:r>
-            <a:endParaRPr lang="en-CA"/>
-          </a:p>
-        </p:txBody>
-      </p:sp>
-      <p:sp>
-        <p:nvSpPr>
-          <p:cNvPr id="5" name="Date Placeholder 4">
-            <a:extLst>
-              <a:ext uri="{FF2B5EF4-FFF2-40B4-BE49-F238E27FC236}">
-                <a16:creationId xmlns:a16="http://schemas.microsoft.com/office/drawing/2014/main" id="{42199ADC-8C4B-F34E-B66A-DEC498AC0148}"/>
-              </a:ext>
-            </a:extLst>
-          </p:cNvPr>
+            <a:endParaRPr lang="en-US" dirty="0"/>
+          </a:p>
+        </p:txBody>
+      </p:sp>
+      <p:sp>
+        <p:nvSpPr>
+          <p:cNvPr id="5" name="Date Placeholder 4"/>
           <p:cNvSpPr>
             <a:spLocks noGrp="1"/>
           </p:cNvSpPr>
@@ -1410,7 +1240,7 @@
           <a:p>
             <a:fld id="{D01223D9-FD7C-2044-ACA2-9C254C65F6F3}" type="datetimeFigureOut">
               <a:rPr lang="en-CA" smtClean="0"/>
-              <a:t>2022-02-14</a:t>
+              <a:t>2022-03-10</a:t>
             </a:fld>
             <a:endParaRPr lang="en-CA"/>
           </a:p>
@@ -1418,13 +1248,7 @@
       </p:sp>
       <p:sp>
         <p:nvSpPr>
-          <p:cNvPr id="6" name="Footer Placeholder 5">
-            <a:extLst>
-              <a:ext uri="{FF2B5EF4-FFF2-40B4-BE49-F238E27FC236}">
-                <a16:creationId xmlns:a16="http://schemas.microsoft.com/office/drawing/2014/main" id="{7DD612CD-9544-A94C-8919-C8D652A17E49}"/>
-              </a:ext>
-            </a:extLst>
-          </p:cNvPr>
+          <p:cNvPr id="6" name="Footer Placeholder 5"/>
           <p:cNvSpPr>
             <a:spLocks noGrp="1"/>
           </p:cNvSpPr>
@@ -1443,13 +1267,7 @@
       </p:sp>
       <p:sp>
         <p:nvSpPr>
-          <p:cNvPr id="7" name="Slide Number Placeholder 6">
-            <a:extLst>
-              <a:ext uri="{FF2B5EF4-FFF2-40B4-BE49-F238E27FC236}">
-                <a16:creationId xmlns:a16="http://schemas.microsoft.com/office/drawing/2014/main" id="{BCA7C213-FDFE-E74C-896E-C78D659C20FF}"/>
-              </a:ext>
-            </a:extLst>
-          </p:cNvPr>
+          <p:cNvPr id="7" name="Slide Number Placeholder 6"/>
           <p:cNvSpPr>
             <a:spLocks noGrp="1"/>
           </p:cNvSpPr>
@@ -1473,7 +1291,7 @@
     </p:spTree>
     <p:extLst>
       <p:ext uri="{BB962C8B-B14F-4D97-AF65-F5344CB8AC3E}">
-        <p14:creationId xmlns:p14="http://schemas.microsoft.com/office/powerpoint/2010/main" val="1283055429"/>
+        <p14:creationId xmlns:p14="http://schemas.microsoft.com/office/powerpoint/2010/main" val="1881754738"/>
       </p:ext>
     </p:extLst>
   </p:cSld>
@@ -1502,13 +1320,7 @@
       </p:grpSpPr>
       <p:sp>
         <p:nvSpPr>
-          <p:cNvPr id="2" name="Title 1">
-            <a:extLst>
-              <a:ext uri="{FF2B5EF4-FFF2-40B4-BE49-F238E27FC236}">
-                <a16:creationId xmlns:a16="http://schemas.microsoft.com/office/drawing/2014/main" id="{3DFD0637-9B5C-DF4D-AD8D-C8EE0BE3E1D0}"/>
-              </a:ext>
-            </a:extLst>
-          </p:cNvPr>
+          <p:cNvPr id="2" name="Title 1"/>
           <p:cNvSpPr>
             <a:spLocks noGrp="1"/>
           </p:cNvSpPr>
@@ -1518,8 +1330,8 @@
         </p:nvSpPr>
         <p:spPr>
           <a:xfrm>
-            <a:off x="839788" y="365125"/>
-            <a:ext cx="10515600" cy="1325563"/>
+            <a:off x="472381" y="728309"/>
+            <a:ext cx="5915025" cy="2644069"/>
           </a:xfrm>
         </p:spPr>
         <p:txBody>
@@ -1530,19 +1342,13 @@
               <a:rPr lang="en-GB"/>
               <a:t>Click to edit Master title style</a:t>
             </a:r>
-            <a:endParaRPr lang="en-CA"/>
-          </a:p>
-        </p:txBody>
-      </p:sp>
-      <p:sp>
-        <p:nvSpPr>
-          <p:cNvPr id="3" name="Text Placeholder 2">
-            <a:extLst>
-              <a:ext uri="{FF2B5EF4-FFF2-40B4-BE49-F238E27FC236}">
-                <a16:creationId xmlns:a16="http://schemas.microsoft.com/office/drawing/2014/main" id="{D3FAF507-B2EE-4E49-AFD8-25B80A2DC2A4}"/>
-              </a:ext>
-            </a:extLst>
-          </p:cNvPr>
+            <a:endParaRPr lang="en-US" dirty="0"/>
+          </a:p>
+        </p:txBody>
+      </p:sp>
+      <p:sp>
+        <p:nvSpPr>
+          <p:cNvPr id="3" name="Text Placeholder 2"/>
           <p:cNvSpPr>
             <a:spLocks noGrp="1"/>
           </p:cNvSpPr>
@@ -1552,8 +1358,8 @@
         </p:nvSpPr>
         <p:spPr>
           <a:xfrm>
-            <a:off x="839788" y="1681163"/>
-            <a:ext cx="5157787" cy="823912"/>
+            <a:off x="472381" y="3353376"/>
+            <a:ext cx="2901255" cy="1643437"/>
           </a:xfrm>
         </p:spPr>
         <p:txBody>
@@ -1561,39 +1367,39 @@
           <a:lstStyle>
             <a:lvl1pPr marL="0" indent="0">
               <a:buNone/>
-              <a:defRPr sz="2400" b="1"/>
+              <a:defRPr sz="1800" b="1"/>
             </a:lvl1pPr>
-            <a:lvl2pPr marL="457200" indent="0">
-              <a:buNone/>
-              <a:defRPr sz="2000" b="1"/>
+            <a:lvl2pPr marL="342900" indent="0">
+              <a:buNone/>
+              <a:defRPr sz="1500" b="1"/>
             </a:lvl2pPr>
-            <a:lvl3pPr marL="914400" indent="0">
-              <a:buNone/>
-              <a:defRPr sz="1800" b="1"/>
+            <a:lvl3pPr marL="685800" indent="0">
+              <a:buNone/>
+              <a:defRPr sz="1350" b="1"/>
             </a:lvl3pPr>
-            <a:lvl4pPr marL="1371600" indent="0">
-              <a:buNone/>
-              <a:defRPr sz="1600" b="1"/>
+            <a:lvl4pPr marL="1028700" indent="0">
+              <a:buNone/>
+              <a:defRPr sz="1200" b="1"/>
             </a:lvl4pPr>
-            <a:lvl5pPr marL="1828800" indent="0">
-              <a:buNone/>
-              <a:defRPr sz="1600" b="1"/>
+            <a:lvl5pPr marL="1371600" indent="0">
+              <a:buNone/>
+              <a:defRPr sz="1200" b="1"/>
             </a:lvl5pPr>
-            <a:lvl6pPr marL="2286000" indent="0">
-              <a:buNone/>
-              <a:defRPr sz="1600" b="1"/>
+            <a:lvl6pPr marL="1714500" indent="0">
+              <a:buNone/>
+              <a:defRPr sz="1200" b="1"/>
             </a:lvl6pPr>
-            <a:lvl7pPr marL="2743200" indent="0">
-              <a:buNone/>
-              <a:defRPr sz="1600" b="1"/>
+            <a:lvl7pPr marL="2057400" indent="0">
+              <a:buNone/>
+              <a:defRPr sz="1200" b="1"/>
             </a:lvl7pPr>
-            <a:lvl8pPr marL="3200400" indent="0">
-              <a:buNone/>
-              <a:defRPr sz="1600" b="1"/>
+            <a:lvl8pPr marL="2400300" indent="0">
+              <a:buNone/>
+              <a:defRPr sz="1200" b="1"/>
             </a:lvl8pPr>
-            <a:lvl9pPr marL="3657600" indent="0">
-              <a:buNone/>
-              <a:defRPr sz="1600" b="1"/>
+            <a:lvl9pPr marL="2743200" indent="0">
+              <a:buNone/>
+              <a:defRPr sz="1200" b="1"/>
             </a:lvl9pPr>
           </a:lstStyle>
           <a:p>
@@ -1607,13 +1413,7 @@
       </p:sp>
       <p:sp>
         <p:nvSpPr>
-          <p:cNvPr id="4" name="Content Placeholder 3">
-            <a:extLst>
-              <a:ext uri="{FF2B5EF4-FFF2-40B4-BE49-F238E27FC236}">
-                <a16:creationId xmlns:a16="http://schemas.microsoft.com/office/drawing/2014/main" id="{C5B52783-BC22-1B4F-AB29-AD233E6D12C3}"/>
-              </a:ext>
-            </a:extLst>
-          </p:cNvPr>
+          <p:cNvPr id="4" name="Content Placeholder 3"/>
           <p:cNvSpPr>
             <a:spLocks noGrp="1"/>
           </p:cNvSpPr>
@@ -1623,8 +1423,8 @@
         </p:nvSpPr>
         <p:spPr>
           <a:xfrm>
-            <a:off x="839788" y="2505075"/>
-            <a:ext cx="5157787" cy="3684588"/>
+            <a:off x="472381" y="4996813"/>
+            <a:ext cx="2901255" cy="7349559"/>
           </a:xfrm>
         </p:spPr>
         <p:txBody>
@@ -1664,19 +1464,13 @@
               <a:rPr lang="en-GB"/>
               <a:t>Fifth level</a:t>
             </a:r>
-            <a:endParaRPr lang="en-CA"/>
-          </a:p>
-        </p:txBody>
-      </p:sp>
-      <p:sp>
-        <p:nvSpPr>
-          <p:cNvPr id="5" name="Text Placeholder 4">
-            <a:extLst>
-              <a:ext uri="{FF2B5EF4-FFF2-40B4-BE49-F238E27FC236}">
-                <a16:creationId xmlns:a16="http://schemas.microsoft.com/office/drawing/2014/main" id="{AD578C79-1E73-604D-9FFB-A9ABE197B87F}"/>
-              </a:ext>
-            </a:extLst>
-          </p:cNvPr>
+            <a:endParaRPr lang="en-US" dirty="0"/>
+          </a:p>
+        </p:txBody>
+      </p:sp>
+      <p:sp>
+        <p:nvSpPr>
+          <p:cNvPr id="5" name="Text Placeholder 4"/>
           <p:cNvSpPr>
             <a:spLocks noGrp="1"/>
           </p:cNvSpPr>
@@ -1686,8 +1480,8 @@
         </p:nvSpPr>
         <p:spPr>
           <a:xfrm>
-            <a:off x="6172200" y="1681163"/>
-            <a:ext cx="5183188" cy="823912"/>
+            <a:off x="3471863" y="3353376"/>
+            <a:ext cx="2915543" cy="1643437"/>
           </a:xfrm>
         </p:spPr>
         <p:txBody>
@@ -1695,39 +1489,39 @@
           <a:lstStyle>
             <a:lvl1pPr marL="0" indent="0">
               <a:buNone/>
-              <a:defRPr sz="2400" b="1"/>
+              <a:defRPr sz="1800" b="1"/>
             </a:lvl1pPr>
-            <a:lvl2pPr marL="457200" indent="0">
-              <a:buNone/>
-              <a:defRPr sz="2000" b="1"/>
+            <a:lvl2pPr marL="342900" indent="0">
+              <a:buNone/>
+              <a:defRPr sz="1500" b="1"/>
             </a:lvl2pPr>
-            <a:lvl3pPr marL="914400" indent="0">
-              <a:buNone/>
-              <a:defRPr sz="1800" b="1"/>
+            <a:lvl3pPr marL="685800" indent="0">
+              <a:buNone/>
+              <a:defRPr sz="1350" b="1"/>
             </a:lvl3pPr>
-            <a:lvl4pPr marL="1371600" indent="0">
-              <a:buNone/>
-              <a:defRPr sz="1600" b="1"/>
+            <a:lvl4pPr marL="1028700" indent="0">
+              <a:buNone/>
+              <a:defRPr sz="1200" b="1"/>
             </a:lvl4pPr>
-            <a:lvl5pPr marL="1828800" indent="0">
-              <a:buNone/>
-              <a:defRPr sz="1600" b="1"/>
+            <a:lvl5pPr marL="1371600" indent="0">
+              <a:buNone/>
+              <a:defRPr sz="1200" b="1"/>
             </a:lvl5pPr>
-            <a:lvl6pPr marL="2286000" indent="0">
-              <a:buNone/>
-              <a:defRPr sz="1600" b="1"/>
+            <a:lvl6pPr marL="1714500" indent="0">
+              <a:buNone/>
+              <a:defRPr sz="1200" b="1"/>
             </a:lvl6pPr>
-            <a:lvl7pPr marL="2743200" indent="0">
-              <a:buNone/>
-              <a:defRPr sz="1600" b="1"/>
+            <a:lvl7pPr marL="2057400" indent="0">
+              <a:buNone/>
+              <a:defRPr sz="1200" b="1"/>
             </a:lvl7pPr>
-            <a:lvl8pPr marL="3200400" indent="0">
-              <a:buNone/>
-              <a:defRPr sz="1600" b="1"/>
+            <a:lvl8pPr marL="2400300" indent="0">
+              <a:buNone/>
+              <a:defRPr sz="1200" b="1"/>
             </a:lvl8pPr>
-            <a:lvl9pPr marL="3657600" indent="0">
-              <a:buNone/>
-              <a:defRPr sz="1600" b="1"/>
+            <a:lvl9pPr marL="2743200" indent="0">
+              <a:buNone/>
+              <a:defRPr sz="1200" b="1"/>
             </a:lvl9pPr>
           </a:lstStyle>
           <a:p>
@@ -1741,13 +1535,7 @@
       </p:sp>
       <p:sp>
         <p:nvSpPr>
-          <p:cNvPr id="6" name="Content Placeholder 5">
-            <a:extLst>
-              <a:ext uri="{FF2B5EF4-FFF2-40B4-BE49-F238E27FC236}">
-                <a16:creationId xmlns:a16="http://schemas.microsoft.com/office/drawing/2014/main" id="{43B18991-9DCE-4B4D-AA71-B061959BEC02}"/>
-              </a:ext>
-            </a:extLst>
-          </p:cNvPr>
+          <p:cNvPr id="6" name="Content Placeholder 5"/>
           <p:cNvSpPr>
             <a:spLocks noGrp="1"/>
           </p:cNvSpPr>
@@ -1757,8 +1545,8 @@
         </p:nvSpPr>
         <p:spPr>
           <a:xfrm>
-            <a:off x="6172200" y="2505075"/>
-            <a:ext cx="5183188" cy="3684588"/>
+            <a:off x="3471863" y="4996813"/>
+            <a:ext cx="2915543" cy="7349559"/>
           </a:xfrm>
         </p:spPr>
         <p:txBody>
@@ -1798,19 +1586,13 @@
               <a:rPr lang="en-GB"/>
               <a:t>Fifth level</a:t>
             </a:r>
-            <a:endParaRPr lang="en-CA"/>
-          </a:p>
-        </p:txBody>
-      </p:sp>
-      <p:sp>
-        <p:nvSpPr>
-          <p:cNvPr id="7" name="Date Placeholder 6">
-            <a:extLst>
-              <a:ext uri="{FF2B5EF4-FFF2-40B4-BE49-F238E27FC236}">
-                <a16:creationId xmlns:a16="http://schemas.microsoft.com/office/drawing/2014/main" id="{1CB735BD-A951-2748-A778-47AA680804F2}"/>
-              </a:ext>
-            </a:extLst>
-          </p:cNvPr>
+            <a:endParaRPr lang="en-US" dirty="0"/>
+          </a:p>
+        </p:txBody>
+      </p:sp>
+      <p:sp>
+        <p:nvSpPr>
+          <p:cNvPr id="7" name="Date Placeholder 6"/>
           <p:cNvSpPr>
             <a:spLocks noGrp="1"/>
           </p:cNvSpPr>
@@ -1825,7 +1607,7 @@
           <a:p>
             <a:fld id="{D01223D9-FD7C-2044-ACA2-9C254C65F6F3}" type="datetimeFigureOut">
               <a:rPr lang="en-CA" smtClean="0"/>
-              <a:t>2022-02-14</a:t>
+              <a:t>2022-03-10</a:t>
             </a:fld>
             <a:endParaRPr lang="en-CA"/>
           </a:p>
@@ -1833,13 +1615,7 @@
       </p:sp>
       <p:sp>
         <p:nvSpPr>
-          <p:cNvPr id="8" name="Footer Placeholder 7">
-            <a:extLst>
-              <a:ext uri="{FF2B5EF4-FFF2-40B4-BE49-F238E27FC236}">
-                <a16:creationId xmlns:a16="http://schemas.microsoft.com/office/drawing/2014/main" id="{881BD81E-5317-CE4F-B32A-7BBD75E205ED}"/>
-              </a:ext>
-            </a:extLst>
-          </p:cNvPr>
+          <p:cNvPr id="8" name="Footer Placeholder 7"/>
           <p:cNvSpPr>
             <a:spLocks noGrp="1"/>
           </p:cNvSpPr>
@@ -1858,13 +1634,7 @@
       </p:sp>
       <p:sp>
         <p:nvSpPr>
-          <p:cNvPr id="9" name="Slide Number Placeholder 8">
-            <a:extLst>
-              <a:ext uri="{FF2B5EF4-FFF2-40B4-BE49-F238E27FC236}">
-                <a16:creationId xmlns:a16="http://schemas.microsoft.com/office/drawing/2014/main" id="{C7F9CE8E-8C2D-A44A-8EAA-84AE333D46C6}"/>
-              </a:ext>
-            </a:extLst>
-          </p:cNvPr>
+          <p:cNvPr id="9" name="Slide Number Placeholder 8"/>
           <p:cNvSpPr>
             <a:spLocks noGrp="1"/>
           </p:cNvSpPr>
@@ -1888,7 +1658,7 @@
     </p:spTree>
     <p:extLst>
       <p:ext uri="{BB962C8B-B14F-4D97-AF65-F5344CB8AC3E}">
-        <p14:creationId xmlns:p14="http://schemas.microsoft.com/office/powerpoint/2010/main" val="1410116479"/>
+        <p14:creationId xmlns:p14="http://schemas.microsoft.com/office/powerpoint/2010/main" val="2661441656"/>
       </p:ext>
     </p:extLst>
   </p:cSld>
@@ -1917,13 +1687,7 @@
       </p:grpSpPr>
       <p:sp>
         <p:nvSpPr>
-          <p:cNvPr id="2" name="Title 1">
-            <a:extLst>
-              <a:ext uri="{FF2B5EF4-FFF2-40B4-BE49-F238E27FC236}">
-                <a16:creationId xmlns:a16="http://schemas.microsoft.com/office/drawing/2014/main" id="{2D190EFD-5726-E241-AEF9-B40144433164}"/>
-              </a:ext>
-            </a:extLst>
-          </p:cNvPr>
+          <p:cNvPr id="2" name="Title 1"/>
           <p:cNvSpPr>
             <a:spLocks noGrp="1"/>
           </p:cNvSpPr>
@@ -1940,19 +1704,13 @@
               <a:rPr lang="en-GB"/>
               <a:t>Click to edit Master title style</a:t>
             </a:r>
-            <a:endParaRPr lang="en-CA"/>
-          </a:p>
-        </p:txBody>
-      </p:sp>
-      <p:sp>
-        <p:nvSpPr>
-          <p:cNvPr id="3" name="Date Placeholder 2">
-            <a:extLst>
-              <a:ext uri="{FF2B5EF4-FFF2-40B4-BE49-F238E27FC236}">
-                <a16:creationId xmlns:a16="http://schemas.microsoft.com/office/drawing/2014/main" id="{AF489042-4435-9C41-8450-58C0C17639C3}"/>
-              </a:ext>
-            </a:extLst>
-          </p:cNvPr>
+            <a:endParaRPr lang="en-US" dirty="0"/>
+          </a:p>
+        </p:txBody>
+      </p:sp>
+      <p:sp>
+        <p:nvSpPr>
+          <p:cNvPr id="3" name="Date Placeholder 2"/>
           <p:cNvSpPr>
             <a:spLocks noGrp="1"/>
           </p:cNvSpPr>
@@ -1967,7 +1725,7 @@
           <a:p>
             <a:fld id="{D01223D9-FD7C-2044-ACA2-9C254C65F6F3}" type="datetimeFigureOut">
               <a:rPr lang="en-CA" smtClean="0"/>
-              <a:t>2022-02-14</a:t>
+              <a:t>2022-03-10</a:t>
             </a:fld>
             <a:endParaRPr lang="en-CA"/>
           </a:p>
@@ -1975,13 +1733,7 @@
       </p:sp>
       <p:sp>
         <p:nvSpPr>
-          <p:cNvPr id="4" name="Footer Placeholder 3">
-            <a:extLst>
-              <a:ext uri="{FF2B5EF4-FFF2-40B4-BE49-F238E27FC236}">
-                <a16:creationId xmlns:a16="http://schemas.microsoft.com/office/drawing/2014/main" id="{1D8D6DCC-C5CB-4244-837D-9BDDC3DD1409}"/>
-              </a:ext>
-            </a:extLst>
-          </p:cNvPr>
+          <p:cNvPr id="4" name="Footer Placeholder 3"/>
           <p:cNvSpPr>
             <a:spLocks noGrp="1"/>
           </p:cNvSpPr>
@@ -2000,13 +1752,7 @@
       </p:sp>
       <p:sp>
         <p:nvSpPr>
-          <p:cNvPr id="5" name="Slide Number Placeholder 4">
-            <a:extLst>
-              <a:ext uri="{FF2B5EF4-FFF2-40B4-BE49-F238E27FC236}">
-                <a16:creationId xmlns:a16="http://schemas.microsoft.com/office/drawing/2014/main" id="{F56921B6-5F4C-6E4A-AA95-AAD3260BFC65}"/>
-              </a:ext>
-            </a:extLst>
-          </p:cNvPr>
+          <p:cNvPr id="5" name="Slide Number Placeholder 4"/>
           <p:cNvSpPr>
             <a:spLocks noGrp="1"/>
           </p:cNvSpPr>
@@ -2030,7 +1776,7 @@
     </p:spTree>
     <p:extLst>
       <p:ext uri="{BB962C8B-B14F-4D97-AF65-F5344CB8AC3E}">
-        <p14:creationId xmlns:p14="http://schemas.microsoft.com/office/powerpoint/2010/main" val="3212677773"/>
+        <p14:creationId xmlns:p14="http://schemas.microsoft.com/office/powerpoint/2010/main" val="50077198"/>
       </p:ext>
     </p:extLst>
   </p:cSld>
@@ -2059,13 +1805,7 @@
       </p:grpSpPr>
       <p:sp>
         <p:nvSpPr>
-          <p:cNvPr id="2" name="Date Placeholder 1">
-            <a:extLst>
-              <a:ext uri="{FF2B5EF4-FFF2-40B4-BE49-F238E27FC236}">
-                <a16:creationId xmlns:a16="http://schemas.microsoft.com/office/drawing/2014/main" id="{8674CDEC-CFEB-2743-8620-A750F4313624}"/>
-              </a:ext>
-            </a:extLst>
-          </p:cNvPr>
+          <p:cNvPr id="2" name="Date Placeholder 1"/>
           <p:cNvSpPr>
             <a:spLocks noGrp="1"/>
           </p:cNvSpPr>
@@ -2080,7 +1820,7 @@
           <a:p>
             <a:fld id="{D01223D9-FD7C-2044-ACA2-9C254C65F6F3}" type="datetimeFigureOut">
               <a:rPr lang="en-CA" smtClean="0"/>
-              <a:t>2022-02-14</a:t>
+              <a:t>2022-03-10</a:t>
             </a:fld>
             <a:endParaRPr lang="en-CA"/>
           </a:p>
@@ -2088,13 +1828,7 @@
       </p:sp>
       <p:sp>
         <p:nvSpPr>
-          <p:cNvPr id="3" name="Footer Placeholder 2">
-            <a:extLst>
-              <a:ext uri="{FF2B5EF4-FFF2-40B4-BE49-F238E27FC236}">
-                <a16:creationId xmlns:a16="http://schemas.microsoft.com/office/drawing/2014/main" id="{4F9FF836-258F-674B-8288-29D3B015E918}"/>
-              </a:ext>
-            </a:extLst>
-          </p:cNvPr>
+          <p:cNvPr id="3" name="Footer Placeholder 2"/>
           <p:cNvSpPr>
             <a:spLocks noGrp="1"/>
           </p:cNvSpPr>
@@ -2113,13 +1847,7 @@
       </p:sp>
       <p:sp>
         <p:nvSpPr>
-          <p:cNvPr id="4" name="Slide Number Placeholder 3">
-            <a:extLst>
-              <a:ext uri="{FF2B5EF4-FFF2-40B4-BE49-F238E27FC236}">
-                <a16:creationId xmlns:a16="http://schemas.microsoft.com/office/drawing/2014/main" id="{F5128FB4-A251-284D-96DC-07732C392548}"/>
-              </a:ext>
-            </a:extLst>
-          </p:cNvPr>
+          <p:cNvPr id="4" name="Slide Number Placeholder 3"/>
           <p:cNvSpPr>
             <a:spLocks noGrp="1"/>
           </p:cNvSpPr>
@@ -2143,7 +1871,7 @@
     </p:spTree>
     <p:extLst>
       <p:ext uri="{BB962C8B-B14F-4D97-AF65-F5344CB8AC3E}">
-        <p14:creationId xmlns:p14="http://schemas.microsoft.com/office/powerpoint/2010/main" val="1752719552"/>
+        <p14:creationId xmlns:p14="http://schemas.microsoft.com/office/powerpoint/2010/main" val="3394723036"/>
       </p:ext>
     </p:extLst>
   </p:cSld>
@@ -2172,13 +1900,7 @@
       </p:grpSpPr>
       <p:sp>
         <p:nvSpPr>
-          <p:cNvPr id="2" name="Title 1">
-            <a:extLst>
-              <a:ext uri="{FF2B5EF4-FFF2-40B4-BE49-F238E27FC236}">
-                <a16:creationId xmlns:a16="http://schemas.microsoft.com/office/drawing/2014/main" id="{25873B71-8FFD-9A4E-9DE6-A9928456FB47}"/>
-              </a:ext>
-            </a:extLst>
-          </p:cNvPr>
+          <p:cNvPr id="2" name="Title 1"/>
           <p:cNvSpPr>
             <a:spLocks noGrp="1"/>
           </p:cNvSpPr>
@@ -2188,15 +1910,15 @@
         </p:nvSpPr>
         <p:spPr>
           <a:xfrm>
-            <a:off x="839788" y="457200"/>
-            <a:ext cx="3932237" cy="1600200"/>
+            <a:off x="472381" y="911966"/>
+            <a:ext cx="2211884" cy="3191881"/>
           </a:xfrm>
         </p:spPr>
         <p:txBody>
           <a:bodyPr anchor="b"/>
           <a:lstStyle>
             <a:lvl1pPr>
-              <a:defRPr sz="3200"/>
+              <a:defRPr sz="2400"/>
             </a:lvl1pPr>
           </a:lstStyle>
           <a:p>
@@ -2204,19 +1926,13 @@
               <a:rPr lang="en-GB"/>
               <a:t>Click to edit Master title style</a:t>
             </a:r>
-            <a:endParaRPr lang="en-CA"/>
-          </a:p>
-        </p:txBody>
-      </p:sp>
-      <p:sp>
-        <p:nvSpPr>
-          <p:cNvPr id="3" name="Content Placeholder 2">
-            <a:extLst>
-              <a:ext uri="{FF2B5EF4-FFF2-40B4-BE49-F238E27FC236}">
-                <a16:creationId xmlns:a16="http://schemas.microsoft.com/office/drawing/2014/main" id="{9960EF41-3240-D641-81FE-B84F55749CC0}"/>
-              </a:ext>
-            </a:extLst>
-          </p:cNvPr>
+            <a:endParaRPr lang="en-US" dirty="0"/>
+          </a:p>
+        </p:txBody>
+      </p:sp>
+      <p:sp>
+        <p:nvSpPr>
+          <p:cNvPr id="3" name="Content Placeholder 2"/>
           <p:cNvSpPr>
             <a:spLocks noGrp="1"/>
           </p:cNvSpPr>
@@ -2226,39 +1942,39 @@
         </p:nvSpPr>
         <p:spPr>
           <a:xfrm>
-            <a:off x="5183188" y="987425"/>
-            <a:ext cx="6172200" cy="4873625"/>
+            <a:off x="2915543" y="1969596"/>
+            <a:ext cx="3471863" cy="9721303"/>
           </a:xfrm>
         </p:spPr>
         <p:txBody>
           <a:bodyPr/>
           <a:lstStyle>
             <a:lvl1pPr>
-              <a:defRPr sz="3200"/>
+              <a:defRPr sz="2400"/>
             </a:lvl1pPr>
             <a:lvl2pPr>
-              <a:defRPr sz="2800"/>
+              <a:defRPr sz="2100"/>
             </a:lvl2pPr>
             <a:lvl3pPr>
-              <a:defRPr sz="2400"/>
+              <a:defRPr sz="1800"/>
             </a:lvl3pPr>
             <a:lvl4pPr>
-              <a:defRPr sz="2000"/>
+              <a:defRPr sz="1500"/>
             </a:lvl4pPr>
             <a:lvl5pPr>
-              <a:defRPr sz="2000"/>
+              <a:defRPr sz="1500"/>
             </a:lvl5pPr>
             <a:lvl6pPr>
-              <a:defRPr sz="2000"/>
+              <a:defRPr sz="1500"/>
             </a:lvl6pPr>
             <a:lvl7pPr>
-              <a:defRPr sz="2000"/>
+              <a:defRPr sz="1500"/>
             </a:lvl7pPr>
             <a:lvl8pPr>
-              <a:defRPr sz="2000"/>
+              <a:defRPr sz="1500"/>
             </a:lvl8pPr>
             <a:lvl9pPr>
-              <a:defRPr sz="2000"/>
+              <a:defRPr sz="1500"/>
             </a:lvl9pPr>
           </a:lstStyle>
           <a:p>
@@ -2295,19 +2011,13 @@
               <a:rPr lang="en-GB"/>
               <a:t>Fifth level</a:t>
             </a:r>
-            <a:endParaRPr lang="en-CA"/>
-          </a:p>
-        </p:txBody>
-      </p:sp>
-      <p:sp>
-        <p:nvSpPr>
-          <p:cNvPr id="4" name="Text Placeholder 3">
-            <a:extLst>
-              <a:ext uri="{FF2B5EF4-FFF2-40B4-BE49-F238E27FC236}">
-                <a16:creationId xmlns:a16="http://schemas.microsoft.com/office/drawing/2014/main" id="{D45B1A24-AB31-6F4B-84C5-333E94C34C87}"/>
-              </a:ext>
-            </a:extLst>
-          </p:cNvPr>
+            <a:endParaRPr lang="en-US" dirty="0"/>
+          </a:p>
+        </p:txBody>
+      </p:sp>
+      <p:sp>
+        <p:nvSpPr>
+          <p:cNvPr id="4" name="Text Placeholder 3"/>
           <p:cNvSpPr>
             <a:spLocks noGrp="1"/>
           </p:cNvSpPr>
@@ -2317,8 +2027,8 @@
         </p:nvSpPr>
         <p:spPr>
           <a:xfrm>
-            <a:off x="839788" y="2057400"/>
-            <a:ext cx="3932237" cy="3811588"/>
+            <a:off x="472381" y="4103846"/>
+            <a:ext cx="2211884" cy="7602883"/>
           </a:xfrm>
         </p:spPr>
         <p:txBody>
@@ -2326,39 +2036,39 @@
           <a:lstStyle>
             <a:lvl1pPr marL="0" indent="0">
               <a:buNone/>
-              <a:defRPr sz="1600"/>
+              <a:defRPr sz="1200"/>
             </a:lvl1pPr>
-            <a:lvl2pPr marL="457200" indent="0">
-              <a:buNone/>
-              <a:defRPr sz="1400"/>
+            <a:lvl2pPr marL="342900" indent="0">
+              <a:buNone/>
+              <a:defRPr sz="1050"/>
             </a:lvl2pPr>
-            <a:lvl3pPr marL="914400" indent="0">
-              <a:buNone/>
-              <a:defRPr sz="1200"/>
+            <a:lvl3pPr marL="685800" indent="0">
+              <a:buNone/>
+              <a:defRPr sz="900"/>
             </a:lvl3pPr>
-            <a:lvl4pPr marL="1371600" indent="0">
-              <a:buNone/>
-              <a:defRPr sz="1000"/>
+            <a:lvl4pPr marL="1028700" indent="0">
+              <a:buNone/>
+              <a:defRPr sz="750"/>
             </a:lvl4pPr>
-            <a:lvl5pPr marL="1828800" indent="0">
-              <a:buNone/>
-              <a:defRPr sz="1000"/>
+            <a:lvl5pPr marL="1371600" indent="0">
+              <a:buNone/>
+              <a:defRPr sz="750"/>
             </a:lvl5pPr>
-            <a:lvl6pPr marL="2286000" indent="0">
-              <a:buNone/>
-              <a:defRPr sz="1000"/>
+            <a:lvl6pPr marL="1714500" indent="0">
+              <a:buNone/>
+              <a:defRPr sz="750"/>
             </a:lvl6pPr>
-            <a:lvl7pPr marL="2743200" indent="0">
-              <a:buNone/>
-              <a:defRPr sz="1000"/>
+            <a:lvl7pPr marL="2057400" indent="0">
+              <a:buNone/>
+              <a:defRPr sz="750"/>
             </a:lvl7pPr>
-            <a:lvl8pPr marL="3200400" indent="0">
-              <a:buNone/>
-              <a:defRPr sz="1000"/>
+            <a:lvl8pPr marL="2400300" indent="0">
+              <a:buNone/>
+              <a:defRPr sz="750"/>
             </a:lvl8pPr>
-            <a:lvl9pPr marL="3657600" indent="0">
-              <a:buNone/>
-              <a:defRPr sz="1000"/>
+            <a:lvl9pPr marL="2743200" indent="0">
+              <a:buNone/>
+              <a:defRPr sz="750"/>
             </a:lvl9pPr>
           </a:lstStyle>
           <a:p>
@@ -2372,13 +2082,7 @@
       </p:sp>
       <p:sp>
         <p:nvSpPr>
-          <p:cNvPr id="5" name="Date Placeholder 4">
-            <a:extLst>
-              <a:ext uri="{FF2B5EF4-FFF2-40B4-BE49-F238E27FC236}">
-                <a16:creationId xmlns:a16="http://schemas.microsoft.com/office/drawing/2014/main" id="{A310D1B7-D5AD-E042-91EB-17CF124920B8}"/>
-              </a:ext>
-            </a:extLst>
-          </p:cNvPr>
+          <p:cNvPr id="5" name="Date Placeholder 4"/>
           <p:cNvSpPr>
             <a:spLocks noGrp="1"/>
           </p:cNvSpPr>
@@ -2393,7 +2097,7 @@
           <a:p>
             <a:fld id="{D01223D9-FD7C-2044-ACA2-9C254C65F6F3}" type="datetimeFigureOut">
               <a:rPr lang="en-CA" smtClean="0"/>
-              <a:t>2022-02-14</a:t>
+              <a:t>2022-03-10</a:t>
             </a:fld>
             <a:endParaRPr lang="en-CA"/>
           </a:p>
@@ -2401,13 +2105,7 @@
       </p:sp>
       <p:sp>
         <p:nvSpPr>
-          <p:cNvPr id="6" name="Footer Placeholder 5">
-            <a:extLst>
-              <a:ext uri="{FF2B5EF4-FFF2-40B4-BE49-F238E27FC236}">
-                <a16:creationId xmlns:a16="http://schemas.microsoft.com/office/drawing/2014/main" id="{91B7C715-5834-B944-B0FD-6A0626605B10}"/>
-              </a:ext>
-            </a:extLst>
-          </p:cNvPr>
+          <p:cNvPr id="6" name="Footer Placeholder 5"/>
           <p:cNvSpPr>
             <a:spLocks noGrp="1"/>
           </p:cNvSpPr>
@@ -2426,13 +2124,7 @@
       </p:sp>
       <p:sp>
         <p:nvSpPr>
-          <p:cNvPr id="7" name="Slide Number Placeholder 6">
-            <a:extLst>
-              <a:ext uri="{FF2B5EF4-FFF2-40B4-BE49-F238E27FC236}">
-                <a16:creationId xmlns:a16="http://schemas.microsoft.com/office/drawing/2014/main" id="{B01252FB-447B-654A-A955-C80930962CD6}"/>
-              </a:ext>
-            </a:extLst>
-          </p:cNvPr>
+          <p:cNvPr id="7" name="Slide Number Placeholder 6"/>
           <p:cNvSpPr>
             <a:spLocks noGrp="1"/>
           </p:cNvSpPr>
@@ -2456,7 +2148,7 @@
     </p:spTree>
     <p:extLst>
       <p:ext uri="{BB962C8B-B14F-4D97-AF65-F5344CB8AC3E}">
-        <p14:creationId xmlns:p14="http://schemas.microsoft.com/office/powerpoint/2010/main" val="1766205874"/>
+        <p14:creationId xmlns:p14="http://schemas.microsoft.com/office/powerpoint/2010/main" val="4086155154"/>
       </p:ext>
     </p:extLst>
   </p:cSld>
@@ -2485,13 +2177,7 @@
       </p:grpSpPr>
       <p:sp>
         <p:nvSpPr>
-          <p:cNvPr id="2" name="Title 1">
-            <a:extLst>
-              <a:ext uri="{FF2B5EF4-FFF2-40B4-BE49-F238E27FC236}">
-                <a16:creationId xmlns:a16="http://schemas.microsoft.com/office/drawing/2014/main" id="{A55F4011-71F4-E746-B9F8-F9ABD2C6CFB9}"/>
-              </a:ext>
-            </a:extLst>
-          </p:cNvPr>
+          <p:cNvPr id="2" name="Title 1"/>
           <p:cNvSpPr>
             <a:spLocks noGrp="1"/>
           </p:cNvSpPr>
@@ -2501,15 +2187,15 @@
         </p:nvSpPr>
         <p:spPr>
           <a:xfrm>
-            <a:off x="839788" y="457200"/>
-            <a:ext cx="3932237" cy="1600200"/>
+            <a:off x="472381" y="911966"/>
+            <a:ext cx="2211884" cy="3191881"/>
           </a:xfrm>
         </p:spPr>
         <p:txBody>
           <a:bodyPr anchor="b"/>
           <a:lstStyle>
             <a:lvl1pPr>
-              <a:defRPr sz="3200"/>
+              <a:defRPr sz="2400"/>
             </a:lvl1pPr>
           </a:lstStyle>
           <a:p>
@@ -2517,21 +2203,15 @@
               <a:rPr lang="en-GB"/>
               <a:t>Click to edit Master title style</a:t>
             </a:r>
-            <a:endParaRPr lang="en-CA"/>
-          </a:p>
-        </p:txBody>
-      </p:sp>
-      <p:sp>
-        <p:nvSpPr>
-          <p:cNvPr id="3" name="Picture Placeholder 2">
-            <a:extLst>
-              <a:ext uri="{FF2B5EF4-FFF2-40B4-BE49-F238E27FC236}">
-                <a16:creationId xmlns:a16="http://schemas.microsoft.com/office/drawing/2014/main" id="{1ABBBC9B-6D07-7947-9BD2-A4D25E069DBA}"/>
-              </a:ext>
-            </a:extLst>
-          </p:cNvPr>
-          <p:cNvSpPr>
-            <a:spLocks noGrp="1"/>
+            <a:endParaRPr lang="en-US" dirty="0"/>
+          </a:p>
+        </p:txBody>
+      </p:sp>
+      <p:sp>
+        <p:nvSpPr>
+          <p:cNvPr id="3" name="Picture Placeholder 2"/>
+          <p:cNvSpPr>
+            <a:spLocks noGrp="1" noChangeAspect="1"/>
           </p:cNvSpPr>
           <p:nvPr>
             <p:ph type="pic" idx="1"/>
@@ -2539,64 +2219,62 @@
         </p:nvSpPr>
         <p:spPr>
           <a:xfrm>
-            <a:off x="5183188" y="987425"/>
-            <a:ext cx="6172200" cy="4873625"/>
+            <a:off x="2915543" y="1969596"/>
+            <a:ext cx="3471863" cy="9721303"/>
           </a:xfrm>
         </p:spPr>
         <p:txBody>
-          <a:bodyPr/>
+          <a:bodyPr anchor="t"/>
           <a:lstStyle>
             <a:lvl1pPr marL="0" indent="0">
               <a:buNone/>
-              <a:defRPr sz="3200"/>
+              <a:defRPr sz="2400"/>
             </a:lvl1pPr>
-            <a:lvl2pPr marL="457200" indent="0">
-              <a:buNone/>
-              <a:defRPr sz="2800"/>
+            <a:lvl2pPr marL="342900" indent="0">
+              <a:buNone/>
+              <a:defRPr sz="2100"/>
             </a:lvl2pPr>
-            <a:lvl3pPr marL="914400" indent="0">
-              <a:buNone/>
-              <a:defRPr sz="2400"/>
+            <a:lvl3pPr marL="685800" indent="0">
+              <a:buNone/>
+              <a:defRPr sz="1800"/>
             </a:lvl3pPr>
-            <a:lvl4pPr marL="1371600" indent="0">
-              <a:buNone/>
-              <a:defRPr sz="2000"/>
+            <a:lvl4pPr marL="1028700" indent="0">
+              <a:buNone/>
+              <a:defRPr sz="1500"/>
             </a:lvl4pPr>
-            <a:lvl5pPr marL="1828800" indent="0">
-              <a:buNone/>
-              <a:defRPr sz="2000"/>
+            <a:lvl5pPr marL="1371600" indent="0">
+              <a:buNone/>
+              <a:defRPr sz="1500"/>
             </a:lvl5pPr>
-            <a:lvl6pPr marL="2286000" indent="0">
-              <a:buNone/>
-              <a:defRPr sz="2000"/>
+            <a:lvl6pPr marL="1714500" indent="0">
+              <a:buNone/>
+              <a:defRPr sz="1500"/>
             </a:lvl6pPr>
-            <a:lvl7pPr marL="2743200" indent="0">
-              <a:buNone/>
-              <a:defRPr sz="2000"/>
+            <a:lvl7pPr marL="2057400" indent="0">
+              <a:buNone/>
+              <a:defRPr sz="1500"/>
             </a:lvl7pPr>
-            <a:lvl8pPr marL="3200400" indent="0">
-              <a:buNone/>
-              <a:defRPr sz="2000"/>
+            <a:lvl8pPr marL="2400300" indent="0">
+              <a:buNone/>
+              <a:defRPr sz="1500"/>
             </a:lvl8pPr>
-            <a:lvl9pPr marL="3657600" indent="0">
-              <a:buNone/>
-              <a:defRPr sz="2000"/>
+            <a:lvl9pPr marL="2743200" indent="0">
+              <a:buNone/>
+              <a:defRPr sz="1500"/>
             </a:lvl9pPr>
           </a:lstStyle>
           <a:p>
-            <a:endParaRPr lang="en-CA"/>
-          </a:p>
-        </p:txBody>
-      </p:sp>
-      <p:sp>
-        <p:nvSpPr>
-          <p:cNvPr id="4" name="Text Placeholder 3">
-            <a:extLst>
-              <a:ext uri="{FF2B5EF4-FFF2-40B4-BE49-F238E27FC236}">
-                <a16:creationId xmlns:a16="http://schemas.microsoft.com/office/drawing/2014/main" id="{49280342-11AE-854D-865F-ABEE94F541C7}"/>
-              </a:ext>
-            </a:extLst>
-          </p:cNvPr>
+            <a:r>
+              <a:rPr lang="en-GB"/>
+              <a:t>Click icon to add picture</a:t>
+            </a:r>
+            <a:endParaRPr lang="en-US" dirty="0"/>
+          </a:p>
+        </p:txBody>
+      </p:sp>
+      <p:sp>
+        <p:nvSpPr>
+          <p:cNvPr id="4" name="Text Placeholder 3"/>
           <p:cNvSpPr>
             <a:spLocks noGrp="1"/>
           </p:cNvSpPr>
@@ -2606,8 +2284,8 @@
         </p:nvSpPr>
         <p:spPr>
           <a:xfrm>
-            <a:off x="839788" y="2057400"/>
-            <a:ext cx="3932237" cy="3811588"/>
+            <a:off x="472381" y="4103846"/>
+            <a:ext cx="2211884" cy="7602883"/>
           </a:xfrm>
         </p:spPr>
         <p:txBody>
@@ -2615,39 +2293,39 @@
           <a:lstStyle>
             <a:lvl1pPr marL="0" indent="0">
               <a:buNone/>
-              <a:defRPr sz="1600"/>
+              <a:defRPr sz="1200"/>
             </a:lvl1pPr>
-            <a:lvl2pPr marL="457200" indent="0">
-              <a:buNone/>
-              <a:defRPr sz="1400"/>
+            <a:lvl2pPr marL="342900" indent="0">
+              <a:buNone/>
+              <a:defRPr sz="1050"/>
             </a:lvl2pPr>
-            <a:lvl3pPr marL="914400" indent="0">
-              <a:buNone/>
-              <a:defRPr sz="1200"/>
+            <a:lvl3pPr marL="685800" indent="0">
+              <a:buNone/>
+              <a:defRPr sz="900"/>
             </a:lvl3pPr>
-            <a:lvl4pPr marL="1371600" indent="0">
-              <a:buNone/>
-              <a:defRPr sz="1000"/>
+            <a:lvl4pPr marL="1028700" indent="0">
+              <a:buNone/>
+              <a:defRPr sz="750"/>
             </a:lvl4pPr>
-            <a:lvl5pPr marL="1828800" indent="0">
-              <a:buNone/>
-              <a:defRPr sz="1000"/>
+            <a:lvl5pPr marL="1371600" indent="0">
+              <a:buNone/>
+              <a:defRPr sz="750"/>
             </a:lvl5pPr>
-            <a:lvl6pPr marL="2286000" indent="0">
-              <a:buNone/>
-              <a:defRPr sz="1000"/>
+            <a:lvl6pPr marL="1714500" indent="0">
+              <a:buNone/>
+              <a:defRPr sz="750"/>
             </a:lvl6pPr>
-            <a:lvl7pPr marL="2743200" indent="0">
-              <a:buNone/>
-              <a:defRPr sz="1000"/>
+            <a:lvl7pPr marL="2057400" indent="0">
+              <a:buNone/>
+              <a:defRPr sz="750"/>
             </a:lvl7pPr>
-            <a:lvl8pPr marL="3200400" indent="0">
-              <a:buNone/>
-              <a:defRPr sz="1000"/>
+            <a:lvl8pPr marL="2400300" indent="0">
+              <a:buNone/>
+              <a:defRPr sz="750"/>
             </a:lvl8pPr>
-            <a:lvl9pPr marL="3657600" indent="0">
-              <a:buNone/>
-              <a:defRPr sz="1000"/>
+            <a:lvl9pPr marL="2743200" indent="0">
+              <a:buNone/>
+              <a:defRPr sz="750"/>
             </a:lvl9pPr>
           </a:lstStyle>
           <a:p>
@@ -2661,13 +2339,7 @@
       </p:sp>
       <p:sp>
         <p:nvSpPr>
-          <p:cNvPr id="5" name="Date Placeholder 4">
-            <a:extLst>
-              <a:ext uri="{FF2B5EF4-FFF2-40B4-BE49-F238E27FC236}">
-                <a16:creationId xmlns:a16="http://schemas.microsoft.com/office/drawing/2014/main" id="{42A1B9A3-839B-684D-BEB0-5EE4E43AAF24}"/>
-              </a:ext>
-            </a:extLst>
-          </p:cNvPr>
+          <p:cNvPr id="5" name="Date Placeholder 4"/>
           <p:cNvSpPr>
             <a:spLocks noGrp="1"/>
           </p:cNvSpPr>
@@ -2682,7 +2354,7 @@
           <a:p>
             <a:fld id="{D01223D9-FD7C-2044-ACA2-9C254C65F6F3}" type="datetimeFigureOut">
               <a:rPr lang="en-CA" smtClean="0"/>
-              <a:t>2022-02-14</a:t>
+              <a:t>2022-03-10</a:t>
             </a:fld>
             <a:endParaRPr lang="en-CA"/>
           </a:p>
@@ -2690,13 +2362,7 @@
       </p:sp>
       <p:sp>
         <p:nvSpPr>
-          <p:cNvPr id="6" name="Footer Placeholder 5">
-            <a:extLst>
-              <a:ext uri="{FF2B5EF4-FFF2-40B4-BE49-F238E27FC236}">
-                <a16:creationId xmlns:a16="http://schemas.microsoft.com/office/drawing/2014/main" id="{3E7B4AFC-DB76-1043-9F0C-F487901786B3}"/>
-              </a:ext>
-            </a:extLst>
-          </p:cNvPr>
+          <p:cNvPr id="6" name="Footer Placeholder 5"/>
           <p:cNvSpPr>
             <a:spLocks noGrp="1"/>
           </p:cNvSpPr>
@@ -2715,13 +2381,7 @@
       </p:sp>
       <p:sp>
         <p:nvSpPr>
-          <p:cNvPr id="7" name="Slide Number Placeholder 6">
-            <a:extLst>
-              <a:ext uri="{FF2B5EF4-FFF2-40B4-BE49-F238E27FC236}">
-                <a16:creationId xmlns:a16="http://schemas.microsoft.com/office/drawing/2014/main" id="{8B3483C0-4591-A949-A203-53ED2C9CC0B3}"/>
-              </a:ext>
-            </a:extLst>
-          </p:cNvPr>
+          <p:cNvPr id="7" name="Slide Number Placeholder 6"/>
           <p:cNvSpPr>
             <a:spLocks noGrp="1"/>
           </p:cNvSpPr>
@@ -2745,7 +2405,7 @@
     </p:spTree>
     <p:extLst>
       <p:ext uri="{BB962C8B-B14F-4D97-AF65-F5344CB8AC3E}">
-        <p14:creationId xmlns:p14="http://schemas.microsoft.com/office/powerpoint/2010/main" val="765201785"/>
+        <p14:creationId xmlns:p14="http://schemas.microsoft.com/office/powerpoint/2010/main" val="756349405"/>
       </p:ext>
     </p:extLst>
   </p:cSld>
@@ -2779,13 +2439,7 @@
       </p:grpSpPr>
       <p:sp>
         <p:nvSpPr>
-          <p:cNvPr id="2" name="Title Placeholder 1">
-            <a:extLst>
-              <a:ext uri="{FF2B5EF4-FFF2-40B4-BE49-F238E27FC236}">
-                <a16:creationId xmlns:a16="http://schemas.microsoft.com/office/drawing/2014/main" id="{C145EE22-7217-3C48-BA60-774EE2C8D85B}"/>
-              </a:ext>
-            </a:extLst>
-          </p:cNvPr>
+          <p:cNvPr id="2" name="Title Placeholder 1"/>
           <p:cNvSpPr>
             <a:spLocks noGrp="1"/>
           </p:cNvSpPr>
@@ -2795,8 +2449,8 @@
         </p:nvSpPr>
         <p:spPr>
           <a:xfrm>
-            <a:off x="838200" y="365125"/>
-            <a:ext cx="10515600" cy="1325563"/>
+            <a:off x="471488" y="728309"/>
+            <a:ext cx="5915025" cy="2644069"/>
           </a:xfrm>
           <a:prstGeom prst="rect">
             <a:avLst/>
@@ -2812,19 +2466,13 @@
               <a:rPr lang="en-GB"/>
               <a:t>Click to edit Master title style</a:t>
             </a:r>
-            <a:endParaRPr lang="en-CA"/>
-          </a:p>
-        </p:txBody>
-      </p:sp>
-      <p:sp>
-        <p:nvSpPr>
-          <p:cNvPr id="3" name="Text Placeholder 2">
-            <a:extLst>
-              <a:ext uri="{FF2B5EF4-FFF2-40B4-BE49-F238E27FC236}">
-                <a16:creationId xmlns:a16="http://schemas.microsoft.com/office/drawing/2014/main" id="{2B2FAC93-22B7-FC42-8797-17CD70FEDAA3}"/>
-              </a:ext>
-            </a:extLst>
-          </p:cNvPr>
+            <a:endParaRPr lang="en-US" dirty="0"/>
+          </a:p>
+        </p:txBody>
+      </p:sp>
+      <p:sp>
+        <p:nvSpPr>
+          <p:cNvPr id="3" name="Text Placeholder 2"/>
           <p:cNvSpPr>
             <a:spLocks noGrp="1"/>
           </p:cNvSpPr>
@@ -2834,8 +2482,8 @@
         </p:nvSpPr>
         <p:spPr>
           <a:xfrm>
-            <a:off x="838200" y="1825625"/>
-            <a:ext cx="10515600" cy="4351338"/>
+            <a:off x="471488" y="3641531"/>
+            <a:ext cx="5915025" cy="8679509"/>
           </a:xfrm>
           <a:prstGeom prst="rect">
             <a:avLst/>
@@ -2880,19 +2528,13 @@
               <a:rPr lang="en-GB"/>
               <a:t>Fifth level</a:t>
             </a:r>
-            <a:endParaRPr lang="en-CA"/>
-          </a:p>
-        </p:txBody>
-      </p:sp>
-      <p:sp>
-        <p:nvSpPr>
-          <p:cNvPr id="4" name="Date Placeholder 3">
-            <a:extLst>
-              <a:ext uri="{FF2B5EF4-FFF2-40B4-BE49-F238E27FC236}">
-                <a16:creationId xmlns:a16="http://schemas.microsoft.com/office/drawing/2014/main" id="{6331C44A-1D3B-8D48-AD0C-5E03560A6290}"/>
-              </a:ext>
-            </a:extLst>
-          </p:cNvPr>
+            <a:endParaRPr lang="en-US" dirty="0"/>
+          </a:p>
+        </p:txBody>
+      </p:sp>
+      <p:sp>
+        <p:nvSpPr>
+          <p:cNvPr id="4" name="Date Placeholder 3"/>
           <p:cNvSpPr>
             <a:spLocks noGrp="1"/>
           </p:cNvSpPr>
@@ -2902,8 +2544,8 @@
         </p:nvSpPr>
         <p:spPr>
           <a:xfrm>
-            <a:off x="838200" y="6356350"/>
-            <a:ext cx="2743200" cy="365125"/>
+            <a:off x="471488" y="12678862"/>
+            <a:ext cx="1543050" cy="728306"/>
           </a:xfrm>
           <a:prstGeom prst="rect">
             <a:avLst/>
@@ -2913,7 +2555,7 @@
           <a:bodyPr vert="horz" lIns="91440" tIns="45720" rIns="91440" bIns="45720" rtlCol="0" anchor="ctr"/>
           <a:lstStyle>
             <a:lvl1pPr algn="l">
-              <a:defRPr sz="1200">
+              <a:defRPr sz="900">
                 <a:solidFill>
                   <a:schemeClr val="tx1">
                     <a:tint val="75000"/>
@@ -2925,7 +2567,7 @@
           <a:p>
             <a:fld id="{D01223D9-FD7C-2044-ACA2-9C254C65F6F3}" type="datetimeFigureOut">
               <a:rPr lang="en-CA" smtClean="0"/>
-              <a:t>2022-02-14</a:t>
+              <a:t>2022-03-10</a:t>
             </a:fld>
             <a:endParaRPr lang="en-CA"/>
           </a:p>
@@ -2933,13 +2575,7 @@
       </p:sp>
       <p:sp>
         <p:nvSpPr>
-          <p:cNvPr id="5" name="Footer Placeholder 4">
-            <a:extLst>
-              <a:ext uri="{FF2B5EF4-FFF2-40B4-BE49-F238E27FC236}">
-                <a16:creationId xmlns:a16="http://schemas.microsoft.com/office/drawing/2014/main" id="{26178BB7-0BA3-6345-BA51-17B01FBA4444}"/>
-              </a:ext>
-            </a:extLst>
-          </p:cNvPr>
+          <p:cNvPr id="5" name="Footer Placeholder 4"/>
           <p:cNvSpPr>
             <a:spLocks noGrp="1"/>
           </p:cNvSpPr>
@@ -2949,8 +2585,8 @@
         </p:nvSpPr>
         <p:spPr>
           <a:xfrm>
-            <a:off x="4038600" y="6356350"/>
-            <a:ext cx="4114800" cy="365125"/>
+            <a:off x="2271713" y="12678862"/>
+            <a:ext cx="2314575" cy="728306"/>
           </a:xfrm>
           <a:prstGeom prst="rect">
             <a:avLst/>
@@ -2960,7 +2596,7 @@
           <a:bodyPr vert="horz" lIns="91440" tIns="45720" rIns="91440" bIns="45720" rtlCol="0" anchor="ctr"/>
           <a:lstStyle>
             <a:lvl1pPr algn="ctr">
-              <a:defRPr sz="1200">
+              <a:defRPr sz="900">
                 <a:solidFill>
                   <a:schemeClr val="tx1">
                     <a:tint val="75000"/>
@@ -2976,13 +2612,7 @@
       </p:sp>
       <p:sp>
         <p:nvSpPr>
-          <p:cNvPr id="6" name="Slide Number Placeholder 5">
-            <a:extLst>
-              <a:ext uri="{FF2B5EF4-FFF2-40B4-BE49-F238E27FC236}">
-                <a16:creationId xmlns:a16="http://schemas.microsoft.com/office/drawing/2014/main" id="{86D98DF6-6E38-7142-91DE-8E730E2F4C93}"/>
-              </a:ext>
-            </a:extLst>
-          </p:cNvPr>
+          <p:cNvPr id="6" name="Slide Number Placeholder 5"/>
           <p:cNvSpPr>
             <a:spLocks noGrp="1"/>
           </p:cNvSpPr>
@@ -2992,8 +2622,8 @@
         </p:nvSpPr>
         <p:spPr>
           <a:xfrm>
-            <a:off x="8610600" y="6356350"/>
-            <a:ext cx="2743200" cy="365125"/>
+            <a:off x="4843463" y="12678862"/>
+            <a:ext cx="1543050" cy="728306"/>
           </a:xfrm>
           <a:prstGeom prst="rect">
             <a:avLst/>
@@ -3003,7 +2633,7 @@
           <a:bodyPr vert="horz" lIns="91440" tIns="45720" rIns="91440" bIns="45720" rtlCol="0" anchor="ctr"/>
           <a:lstStyle>
             <a:lvl1pPr algn="r">
-              <a:defRPr sz="1200">
+              <a:defRPr sz="900">
                 <a:solidFill>
                   <a:schemeClr val="tx1">
                     <a:tint val="75000"/>
@@ -3024,27 +2654,27 @@
     </p:spTree>
     <p:extLst>
       <p:ext uri="{BB962C8B-B14F-4D97-AF65-F5344CB8AC3E}">
-        <p14:creationId xmlns:p14="http://schemas.microsoft.com/office/powerpoint/2010/main" val="24986103"/>
+        <p14:creationId xmlns:p14="http://schemas.microsoft.com/office/powerpoint/2010/main" val="127112393"/>
       </p:ext>
     </p:extLst>
   </p:cSld>
   <p:clrMap bg1="lt1" tx1="dk1" bg2="lt2" tx2="dk2" accent1="accent1" accent2="accent2" accent3="accent3" accent4="accent4" accent5="accent5" accent6="accent6" hlink="hlink" folHlink="folHlink"/>
   <p:sldLayoutIdLst>
-    <p:sldLayoutId id="2147483649" r:id="rId1"/>
-    <p:sldLayoutId id="2147483650" r:id="rId2"/>
-    <p:sldLayoutId id="2147483651" r:id="rId3"/>
-    <p:sldLayoutId id="2147483652" r:id="rId4"/>
-    <p:sldLayoutId id="2147483653" r:id="rId5"/>
-    <p:sldLayoutId id="2147483654" r:id="rId6"/>
-    <p:sldLayoutId id="2147483655" r:id="rId7"/>
-    <p:sldLayoutId id="2147483656" r:id="rId8"/>
-    <p:sldLayoutId id="2147483657" r:id="rId9"/>
-    <p:sldLayoutId id="2147483658" r:id="rId10"/>
-    <p:sldLayoutId id="2147483659" r:id="rId11"/>
+    <p:sldLayoutId id="2147483745" r:id="rId1"/>
+    <p:sldLayoutId id="2147483746" r:id="rId2"/>
+    <p:sldLayoutId id="2147483747" r:id="rId3"/>
+    <p:sldLayoutId id="2147483748" r:id="rId4"/>
+    <p:sldLayoutId id="2147483749" r:id="rId5"/>
+    <p:sldLayoutId id="2147483750" r:id="rId6"/>
+    <p:sldLayoutId id="2147483751" r:id="rId7"/>
+    <p:sldLayoutId id="2147483752" r:id="rId8"/>
+    <p:sldLayoutId id="2147483753" r:id="rId9"/>
+    <p:sldLayoutId id="2147483754" r:id="rId10"/>
+    <p:sldLayoutId id="2147483755" r:id="rId11"/>
   </p:sldLayoutIdLst>
   <p:txStyles>
     <p:titleStyle>
-      <a:lvl1pPr algn="l" defTabSz="914400" rtl="0" eaLnBrk="1" latinLnBrk="0" hangingPunct="1">
+      <a:lvl1pPr algn="l" defTabSz="685800" rtl="0" eaLnBrk="1" latinLnBrk="0" hangingPunct="1">
         <a:lnSpc>
           <a:spcPct val="90000"/>
         </a:lnSpc>
@@ -3052,7 +2682,7 @@
           <a:spcPct val="0"/>
         </a:spcBef>
         <a:buNone/>
-        <a:defRPr sz="4400" kern="1200">
+        <a:defRPr sz="3300" kern="1200">
           <a:solidFill>
             <a:schemeClr val="tx1"/>
           </a:solidFill>
@@ -3063,16 +2693,16 @@
       </a:lvl1pPr>
     </p:titleStyle>
     <p:bodyStyle>
-      <a:lvl1pPr marL="228600" indent="-228600" algn="l" defTabSz="914400" rtl="0" eaLnBrk="1" latinLnBrk="0" hangingPunct="1">
+      <a:lvl1pPr marL="171450" indent="-171450" algn="l" defTabSz="685800" rtl="0" eaLnBrk="1" latinLnBrk="0" hangingPunct="1">
         <a:lnSpc>
           <a:spcPct val="90000"/>
         </a:lnSpc>
         <a:spcBef>
-          <a:spcPts val="1000"/>
+          <a:spcPts val="750"/>
         </a:spcBef>
         <a:buFont typeface="Arial" panose="020B0604020202020204" pitchFamily="34" charset="0"/>
         <a:buChar char="•"/>
-        <a:defRPr sz="2800" kern="1200">
+        <a:defRPr sz="2100" kern="1200">
           <a:solidFill>
             <a:schemeClr val="tx1"/>
           </a:solidFill>
@@ -3081,48 +2711,12 @@
           <a:cs typeface="+mn-cs"/>
         </a:defRPr>
       </a:lvl1pPr>
-      <a:lvl2pPr marL="685800" indent="-228600" algn="l" defTabSz="914400" rtl="0" eaLnBrk="1" latinLnBrk="0" hangingPunct="1">
+      <a:lvl2pPr marL="514350" indent="-171450" algn="l" defTabSz="685800" rtl="0" eaLnBrk="1" latinLnBrk="0" hangingPunct="1">
         <a:lnSpc>
           <a:spcPct val="90000"/>
         </a:lnSpc>
         <a:spcBef>
-          <a:spcPts val="500"/>
-        </a:spcBef>
-        <a:buFont typeface="Arial" panose="020B0604020202020204" pitchFamily="34" charset="0"/>
-        <a:buChar char="•"/>
-        <a:defRPr sz="2400" kern="1200">
-          <a:solidFill>
-            <a:schemeClr val="tx1"/>
-          </a:solidFill>
-          <a:latin typeface="+mn-lt"/>
-          <a:ea typeface="+mn-ea"/>
-          <a:cs typeface="+mn-cs"/>
-        </a:defRPr>
-      </a:lvl2pPr>
-      <a:lvl3pPr marL="1143000" indent="-228600" algn="l" defTabSz="914400" rtl="0" eaLnBrk="1" latinLnBrk="0" hangingPunct="1">
-        <a:lnSpc>
-          <a:spcPct val="90000"/>
-        </a:lnSpc>
-        <a:spcBef>
-          <a:spcPts val="500"/>
-        </a:spcBef>
-        <a:buFont typeface="Arial" panose="020B0604020202020204" pitchFamily="34" charset="0"/>
-        <a:buChar char="•"/>
-        <a:defRPr sz="2000" kern="1200">
-          <a:solidFill>
-            <a:schemeClr val="tx1"/>
-          </a:solidFill>
-          <a:latin typeface="+mn-lt"/>
-          <a:ea typeface="+mn-ea"/>
-          <a:cs typeface="+mn-cs"/>
-        </a:defRPr>
-      </a:lvl3pPr>
-      <a:lvl4pPr marL="1600200" indent="-228600" algn="l" defTabSz="914400" rtl="0" eaLnBrk="1" latinLnBrk="0" hangingPunct="1">
-        <a:lnSpc>
-          <a:spcPct val="90000"/>
-        </a:lnSpc>
-        <a:spcBef>
-          <a:spcPts val="500"/>
+          <a:spcPts val="375"/>
         </a:spcBef>
         <a:buFont typeface="Arial" panose="020B0604020202020204" pitchFamily="34" charset="0"/>
         <a:buChar char="•"/>
@@ -3134,17 +2728,53 @@
           <a:ea typeface="+mn-ea"/>
           <a:cs typeface="+mn-cs"/>
         </a:defRPr>
-      </a:lvl4pPr>
-      <a:lvl5pPr marL="2057400" indent="-228600" algn="l" defTabSz="914400" rtl="0" eaLnBrk="1" latinLnBrk="0" hangingPunct="1">
+      </a:lvl2pPr>
+      <a:lvl3pPr marL="857250" indent="-171450" algn="l" defTabSz="685800" rtl="0" eaLnBrk="1" latinLnBrk="0" hangingPunct="1">
         <a:lnSpc>
           <a:spcPct val="90000"/>
         </a:lnSpc>
         <a:spcBef>
-          <a:spcPts val="500"/>
+          <a:spcPts val="375"/>
         </a:spcBef>
         <a:buFont typeface="Arial" panose="020B0604020202020204" pitchFamily="34" charset="0"/>
         <a:buChar char="•"/>
-        <a:defRPr sz="1800" kern="1200">
+        <a:defRPr sz="1500" kern="1200">
+          <a:solidFill>
+            <a:schemeClr val="tx1"/>
+          </a:solidFill>
+          <a:latin typeface="+mn-lt"/>
+          <a:ea typeface="+mn-ea"/>
+          <a:cs typeface="+mn-cs"/>
+        </a:defRPr>
+      </a:lvl3pPr>
+      <a:lvl4pPr marL="1200150" indent="-171450" algn="l" defTabSz="685800" rtl="0" eaLnBrk="1" latinLnBrk="0" hangingPunct="1">
+        <a:lnSpc>
+          <a:spcPct val="90000"/>
+        </a:lnSpc>
+        <a:spcBef>
+          <a:spcPts val="375"/>
+        </a:spcBef>
+        <a:buFont typeface="Arial" panose="020B0604020202020204" pitchFamily="34" charset="0"/>
+        <a:buChar char="•"/>
+        <a:defRPr sz="1350" kern="1200">
+          <a:solidFill>
+            <a:schemeClr val="tx1"/>
+          </a:solidFill>
+          <a:latin typeface="+mn-lt"/>
+          <a:ea typeface="+mn-ea"/>
+          <a:cs typeface="+mn-cs"/>
+        </a:defRPr>
+      </a:lvl4pPr>
+      <a:lvl5pPr marL="1543050" indent="-171450" algn="l" defTabSz="685800" rtl="0" eaLnBrk="1" latinLnBrk="0" hangingPunct="1">
+        <a:lnSpc>
+          <a:spcPct val="90000"/>
+        </a:lnSpc>
+        <a:spcBef>
+          <a:spcPts val="375"/>
+        </a:spcBef>
+        <a:buFont typeface="Arial" panose="020B0604020202020204" pitchFamily="34" charset="0"/>
+        <a:buChar char="•"/>
+        <a:defRPr sz="1350" kern="1200">
           <a:solidFill>
             <a:schemeClr val="tx1"/>
           </a:solidFill>
@@ -3153,16 +2783,16 @@
           <a:cs typeface="+mn-cs"/>
         </a:defRPr>
       </a:lvl5pPr>
-      <a:lvl6pPr marL="2514600" indent="-228600" algn="l" defTabSz="914400" rtl="0" eaLnBrk="1" latinLnBrk="0" hangingPunct="1">
+      <a:lvl6pPr marL="1885950" indent="-171450" algn="l" defTabSz="685800" rtl="0" eaLnBrk="1" latinLnBrk="0" hangingPunct="1">
         <a:lnSpc>
           <a:spcPct val="90000"/>
         </a:lnSpc>
         <a:spcBef>
-          <a:spcPts val="500"/>
+          <a:spcPts val="375"/>
         </a:spcBef>
         <a:buFont typeface="Arial" panose="020B0604020202020204" pitchFamily="34" charset="0"/>
         <a:buChar char="•"/>
-        <a:defRPr sz="1800" kern="1200">
+        <a:defRPr sz="1350" kern="1200">
           <a:solidFill>
             <a:schemeClr val="tx1"/>
           </a:solidFill>
@@ -3171,16 +2801,16 @@
           <a:cs typeface="+mn-cs"/>
         </a:defRPr>
       </a:lvl6pPr>
-      <a:lvl7pPr marL="2971800" indent="-228600" algn="l" defTabSz="914400" rtl="0" eaLnBrk="1" latinLnBrk="0" hangingPunct="1">
+      <a:lvl7pPr marL="2228850" indent="-171450" algn="l" defTabSz="685800" rtl="0" eaLnBrk="1" latinLnBrk="0" hangingPunct="1">
         <a:lnSpc>
           <a:spcPct val="90000"/>
         </a:lnSpc>
         <a:spcBef>
-          <a:spcPts val="500"/>
+          <a:spcPts val="375"/>
         </a:spcBef>
         <a:buFont typeface="Arial" panose="020B0604020202020204" pitchFamily="34" charset="0"/>
         <a:buChar char="•"/>
-        <a:defRPr sz="1800" kern="1200">
+        <a:defRPr sz="1350" kern="1200">
           <a:solidFill>
             <a:schemeClr val="tx1"/>
           </a:solidFill>
@@ -3189,16 +2819,16 @@
           <a:cs typeface="+mn-cs"/>
         </a:defRPr>
       </a:lvl7pPr>
-      <a:lvl8pPr marL="3429000" indent="-228600" algn="l" defTabSz="914400" rtl="0" eaLnBrk="1" latinLnBrk="0" hangingPunct="1">
+      <a:lvl8pPr marL="2571750" indent="-171450" algn="l" defTabSz="685800" rtl="0" eaLnBrk="1" latinLnBrk="0" hangingPunct="1">
         <a:lnSpc>
           <a:spcPct val="90000"/>
         </a:lnSpc>
         <a:spcBef>
-          <a:spcPts val="500"/>
+          <a:spcPts val="375"/>
         </a:spcBef>
         <a:buFont typeface="Arial" panose="020B0604020202020204" pitchFamily="34" charset="0"/>
         <a:buChar char="•"/>
-        <a:defRPr sz="1800" kern="1200">
+        <a:defRPr sz="1350" kern="1200">
           <a:solidFill>
             <a:schemeClr val="tx1"/>
           </a:solidFill>
@@ -3207,16 +2837,16 @@
           <a:cs typeface="+mn-cs"/>
         </a:defRPr>
       </a:lvl8pPr>
-      <a:lvl9pPr marL="3886200" indent="-228600" algn="l" defTabSz="914400" rtl="0" eaLnBrk="1" latinLnBrk="0" hangingPunct="1">
+      <a:lvl9pPr marL="2914650" indent="-171450" algn="l" defTabSz="685800" rtl="0" eaLnBrk="1" latinLnBrk="0" hangingPunct="1">
         <a:lnSpc>
           <a:spcPct val="90000"/>
         </a:lnSpc>
         <a:spcBef>
-          <a:spcPts val="500"/>
+          <a:spcPts val="375"/>
         </a:spcBef>
         <a:buFont typeface="Arial" panose="020B0604020202020204" pitchFamily="34" charset="0"/>
         <a:buChar char="•"/>
-        <a:defRPr sz="1800" kern="1200">
+        <a:defRPr sz="1350" kern="1200">
           <a:solidFill>
             <a:schemeClr val="tx1"/>
           </a:solidFill>
@@ -3230,8 +2860,8 @@
       <a:defPPr>
         <a:defRPr lang="en-US"/>
       </a:defPPr>
-      <a:lvl1pPr marL="0" algn="l" defTabSz="914400" rtl="0" eaLnBrk="1" latinLnBrk="0" hangingPunct="1">
-        <a:defRPr sz="1800" kern="1200">
+      <a:lvl1pPr marL="0" algn="l" defTabSz="685800" rtl="0" eaLnBrk="1" latinLnBrk="0" hangingPunct="1">
+        <a:defRPr sz="1350" kern="1200">
           <a:solidFill>
             <a:schemeClr val="tx1"/>
           </a:solidFill>
@@ -3240,8 +2870,8 @@
           <a:cs typeface="+mn-cs"/>
         </a:defRPr>
       </a:lvl1pPr>
-      <a:lvl2pPr marL="457200" algn="l" defTabSz="914400" rtl="0" eaLnBrk="1" latinLnBrk="0" hangingPunct="1">
-        <a:defRPr sz="1800" kern="1200">
+      <a:lvl2pPr marL="342900" algn="l" defTabSz="685800" rtl="0" eaLnBrk="1" latinLnBrk="0" hangingPunct="1">
+        <a:defRPr sz="1350" kern="1200">
           <a:solidFill>
             <a:schemeClr val="tx1"/>
           </a:solidFill>
@@ -3250,8 +2880,8 @@
           <a:cs typeface="+mn-cs"/>
         </a:defRPr>
       </a:lvl2pPr>
-      <a:lvl3pPr marL="914400" algn="l" defTabSz="914400" rtl="0" eaLnBrk="1" latinLnBrk="0" hangingPunct="1">
-        <a:defRPr sz="1800" kern="1200">
+      <a:lvl3pPr marL="685800" algn="l" defTabSz="685800" rtl="0" eaLnBrk="1" latinLnBrk="0" hangingPunct="1">
+        <a:defRPr sz="1350" kern="1200">
           <a:solidFill>
             <a:schemeClr val="tx1"/>
           </a:solidFill>
@@ -3260,8 +2890,8 @@
           <a:cs typeface="+mn-cs"/>
         </a:defRPr>
       </a:lvl3pPr>
-      <a:lvl4pPr marL="1371600" algn="l" defTabSz="914400" rtl="0" eaLnBrk="1" latinLnBrk="0" hangingPunct="1">
-        <a:defRPr sz="1800" kern="1200">
+      <a:lvl4pPr marL="1028700" algn="l" defTabSz="685800" rtl="0" eaLnBrk="1" latinLnBrk="0" hangingPunct="1">
+        <a:defRPr sz="1350" kern="1200">
           <a:solidFill>
             <a:schemeClr val="tx1"/>
           </a:solidFill>
@@ -3270,8 +2900,8 @@
           <a:cs typeface="+mn-cs"/>
         </a:defRPr>
       </a:lvl4pPr>
-      <a:lvl5pPr marL="1828800" algn="l" defTabSz="914400" rtl="0" eaLnBrk="1" latinLnBrk="0" hangingPunct="1">
-        <a:defRPr sz="1800" kern="1200">
+      <a:lvl5pPr marL="1371600" algn="l" defTabSz="685800" rtl="0" eaLnBrk="1" latinLnBrk="0" hangingPunct="1">
+        <a:defRPr sz="1350" kern="1200">
           <a:solidFill>
             <a:schemeClr val="tx1"/>
           </a:solidFill>
@@ -3280,8 +2910,8 @@
           <a:cs typeface="+mn-cs"/>
         </a:defRPr>
       </a:lvl5pPr>
-      <a:lvl6pPr marL="2286000" algn="l" defTabSz="914400" rtl="0" eaLnBrk="1" latinLnBrk="0" hangingPunct="1">
-        <a:defRPr sz="1800" kern="1200">
+      <a:lvl6pPr marL="1714500" algn="l" defTabSz="685800" rtl="0" eaLnBrk="1" latinLnBrk="0" hangingPunct="1">
+        <a:defRPr sz="1350" kern="1200">
           <a:solidFill>
             <a:schemeClr val="tx1"/>
           </a:solidFill>
@@ -3290,8 +2920,8 @@
           <a:cs typeface="+mn-cs"/>
         </a:defRPr>
       </a:lvl6pPr>
-      <a:lvl7pPr marL="2743200" algn="l" defTabSz="914400" rtl="0" eaLnBrk="1" latinLnBrk="0" hangingPunct="1">
-        <a:defRPr sz="1800" kern="1200">
+      <a:lvl7pPr marL="2057400" algn="l" defTabSz="685800" rtl="0" eaLnBrk="1" latinLnBrk="0" hangingPunct="1">
+        <a:defRPr sz="1350" kern="1200">
           <a:solidFill>
             <a:schemeClr val="tx1"/>
           </a:solidFill>
@@ -3300,8 +2930,8 @@
           <a:cs typeface="+mn-cs"/>
         </a:defRPr>
       </a:lvl7pPr>
-      <a:lvl8pPr marL="3200400" algn="l" defTabSz="914400" rtl="0" eaLnBrk="1" latinLnBrk="0" hangingPunct="1">
-        <a:defRPr sz="1800" kern="1200">
+      <a:lvl8pPr marL="2400300" algn="l" defTabSz="685800" rtl="0" eaLnBrk="1" latinLnBrk="0" hangingPunct="1">
+        <a:defRPr sz="1350" kern="1200">
           <a:solidFill>
             <a:schemeClr val="tx1"/>
           </a:solidFill>
@@ -3310,8 +2940,8 @@
           <a:cs typeface="+mn-cs"/>
         </a:defRPr>
       </a:lvl8pPr>
-      <a:lvl9pPr marL="3657600" algn="l" defTabSz="914400" rtl="0" eaLnBrk="1" latinLnBrk="0" hangingPunct="1">
-        <a:defRPr sz="1800" kern="1200">
+      <a:lvl9pPr marL="2743200" algn="l" defTabSz="685800" rtl="0" eaLnBrk="1" latinLnBrk="0" hangingPunct="1">
+        <a:defRPr sz="1350" kern="1200">
           <a:solidFill>
             <a:schemeClr val="tx1"/>
           </a:solidFill>
@@ -3356,8 +2986,8 @@
         </p:nvSpPr>
         <p:spPr>
           <a:xfrm>
-            <a:off x="1817914" y="1654629"/>
-            <a:ext cx="3605474" cy="1107996"/>
+            <a:off x="114297" y="245248"/>
+            <a:ext cx="2550698" cy="795474"/>
           </a:xfrm>
           <a:prstGeom prst="rect">
             <a:avLst/>
@@ -3371,7 +3001,7 @@
           <a:lstStyle/>
           <a:p>
             <a:r>
-              <a:rPr lang="en-CA" sz="6600" dirty="0">
+              <a:rPr lang="en-CA" sz="4569" dirty="0">
                 <a:latin typeface="Lato" panose="020F0502020204030203" pitchFamily="34" charset="77"/>
               </a:rPr>
               <a:t>MINGAR</a:t>
@@ -3395,8 +3025,8 @@
         </p:nvSpPr>
         <p:spPr>
           <a:xfrm rot="10800000">
-            <a:off x="2044335" y="2635890"/>
-            <a:ext cx="503356" cy="381629"/>
+            <a:off x="271056" y="924590"/>
+            <a:ext cx="348477" cy="264205"/>
           </a:xfrm>
           <a:prstGeom prst="triangle">
             <a:avLst>
@@ -3439,7 +3069,7 @@
           <a:lstStyle/>
           <a:p>
             <a:pPr algn="ctr"/>
-            <a:endParaRPr lang="en-CA"/>
+            <a:endParaRPr lang="en-CA" sz="1246"/>
           </a:p>
         </p:txBody>
       </p:sp>
@@ -3456,10 +3086,739 @@
 </p:sld>
 </file>
 
+<file path=ppt/slides/slide2.xml><?xml version="1.0" encoding="utf-8"?>
+<p:sld xmlns:a="http://schemas.openxmlformats.org/drawingml/2006/main" xmlns:r="http://schemas.openxmlformats.org/officeDocument/2006/relationships" xmlns:p="http://schemas.openxmlformats.org/presentationml/2006/main">
+  <p:cSld>
+    <p:spTree>
+      <p:nvGrpSpPr>
+        <p:cNvPr id="1" name=""/>
+        <p:cNvGrpSpPr/>
+        <p:nvPr/>
+      </p:nvGrpSpPr>
+      <p:grpSpPr>
+        <a:xfrm>
+          <a:off x="0" y="0"/>
+          <a:ext cx="0" cy="0"/>
+          <a:chOff x="0" y="0"/>
+          <a:chExt cx="0" cy="0"/>
+        </a:xfrm>
+      </p:grpSpPr>
+      <p:sp>
+        <p:nvSpPr>
+          <p:cNvPr id="5" name="TextBox 4">
+            <a:extLst>
+              <a:ext uri="{FF2B5EF4-FFF2-40B4-BE49-F238E27FC236}">
+                <a16:creationId xmlns:a16="http://schemas.microsoft.com/office/drawing/2014/main" id="{5938D188-0BBC-5A45-89A0-5FFA642FEE4D}"/>
+              </a:ext>
+            </a:extLst>
+          </p:cNvPr>
+          <p:cNvSpPr txBox="1"/>
+          <p:nvPr/>
+        </p:nvSpPr>
+        <p:spPr>
+          <a:xfrm>
+            <a:off x="110359" y="1095687"/>
+            <a:ext cx="6637282" cy="11356955"/>
+          </a:xfrm>
+          <a:prstGeom prst="rect">
+            <a:avLst/>
+          </a:prstGeom>
+          <a:noFill/>
+        </p:spPr>
+        <p:txBody>
+          <a:bodyPr wrap="square" rtlCol="0">
+            <a:spAutoFit/>
+          </a:bodyPr>
+          <a:lstStyle/>
+          <a:p>
+            <a:r>
+              <a:rPr lang="en-CA" sz="1200" dirty="0">
+                <a:latin typeface="Arial" panose="020B0604020202020204" pitchFamily="34" charset="0"/>
+                <a:cs typeface="Arial" panose="020B0604020202020204" pitchFamily="34" charset="0"/>
+              </a:rPr>
+              <a:t>Hi,</a:t>
+            </a:r>
+          </a:p>
+          <a:p>
+            <a:endParaRPr lang="en-CA" sz="1200" dirty="0">
+              <a:latin typeface="Arial" panose="020B0604020202020204" pitchFamily="34" charset="0"/>
+              <a:cs typeface="Arial" panose="020B0604020202020204" pitchFamily="34" charset="0"/>
+            </a:endParaRPr>
+          </a:p>
+          <a:p>
+            <a:r>
+              <a:rPr lang="en-CA" sz="1200" dirty="0">
+                <a:latin typeface="Arial" panose="020B0604020202020204" pitchFamily="34" charset="0"/>
+                <a:cs typeface="Arial" panose="020B0604020202020204" pitchFamily="34" charset="0"/>
+              </a:rPr>
+              <a:t>Thanks again for the great work on the </a:t>
+            </a:r>
+            <a:r>
+              <a:rPr lang="en-CA" sz="1200" i="1" dirty="0">
+                <a:latin typeface="Arial" panose="020B0604020202020204" pitchFamily="34" charset="0"/>
+                <a:cs typeface="Arial" panose="020B0604020202020204" pitchFamily="34" charset="0"/>
+              </a:rPr>
+              <a:t>Small Steps</a:t>
+            </a:r>
+            <a:r>
+              <a:rPr lang="en-CA" sz="1200" dirty="0">
+                <a:latin typeface="Arial" panose="020B0604020202020204" pitchFamily="34" charset="0"/>
+                <a:cs typeface="Arial" panose="020B0604020202020204" pitchFamily="34" charset="0"/>
+              </a:rPr>
+              <a:t> project last year. I’m reaching out with another piece of work I’m hoping you can take on.</a:t>
+            </a:r>
+          </a:p>
+          <a:p>
+            <a:endParaRPr lang="en-CA" sz="1200" dirty="0">
+              <a:latin typeface="Arial" panose="020B0604020202020204" pitchFamily="34" charset="0"/>
+              <a:cs typeface="Arial" panose="020B0604020202020204" pitchFamily="34" charset="0"/>
+            </a:endParaRPr>
+          </a:p>
+          <a:p>
+            <a:r>
+              <a:rPr lang="en-CA" sz="1200" dirty="0">
+                <a:latin typeface="Arial" panose="020B0604020202020204" pitchFamily="34" charset="0"/>
+                <a:cs typeface="Arial" panose="020B0604020202020204" pitchFamily="34" charset="0"/>
+              </a:rPr>
+              <a:t>I've included some information below, but the big idea is that we want some specialist statistics support to help us better understand issues around our new lines of wearables fitness trackers/smartwatches and our customers.</a:t>
+            </a:r>
+          </a:p>
+          <a:p>
+            <a:endParaRPr lang="en-CA" sz="1200" dirty="0">
+              <a:latin typeface="Arial" panose="020B0604020202020204" pitchFamily="34" charset="0"/>
+              <a:cs typeface="Arial" panose="020B0604020202020204" pitchFamily="34" charset="0"/>
+            </a:endParaRPr>
+          </a:p>
+          <a:p>
+            <a:r>
+              <a:rPr lang="en-CA" sz="1200" b="1" dirty="0">
+                <a:latin typeface="Arial" panose="020B0604020202020204" pitchFamily="34" charset="0"/>
+                <a:cs typeface="Arial" panose="020B0604020202020204" pitchFamily="34" charset="0"/>
+              </a:rPr>
+              <a:t>Company background:</a:t>
+            </a:r>
+            <a:r>
+              <a:rPr lang="en-CA" sz="1200" dirty="0">
+                <a:latin typeface="Arial" panose="020B0604020202020204" pitchFamily="34" charset="0"/>
+                <a:cs typeface="Arial" panose="020B0604020202020204" pitchFamily="34" charset="0"/>
+              </a:rPr>
+              <a:t> </a:t>
+            </a:r>
+            <a:r>
+              <a:rPr lang="en-CA" sz="1200" dirty="0" err="1">
+                <a:latin typeface="Arial" panose="020B0604020202020204" pitchFamily="34" charset="0"/>
+                <a:cs typeface="Arial" panose="020B0604020202020204" pitchFamily="34" charset="0"/>
+              </a:rPr>
+              <a:t>Mingar</a:t>
+            </a:r>
+            <a:r>
+              <a:rPr lang="en-CA" sz="1200" dirty="0">
+                <a:latin typeface="Arial" panose="020B0604020202020204" pitchFamily="34" charset="0"/>
+                <a:cs typeface="Arial" panose="020B0604020202020204" pitchFamily="34" charset="0"/>
+              </a:rPr>
+              <a:t> started out making GPS units for marine vehicles and military personnel, before branching out to personal GPS units for runners in the early 2000s. Over the years, we have developed a number of products aimed at outdoor recreation, including high-end fitness tracking wearable devices.</a:t>
+            </a:r>
+          </a:p>
+          <a:p>
+            <a:endParaRPr lang="en-CA" sz="1200" dirty="0">
+              <a:latin typeface="Arial" panose="020B0604020202020204" pitchFamily="34" charset="0"/>
+              <a:cs typeface="Arial" panose="020B0604020202020204" pitchFamily="34" charset="0"/>
+            </a:endParaRPr>
+          </a:p>
+          <a:p>
+            <a:r>
+              <a:rPr lang="en-CA" sz="1200" b="1" dirty="0">
+                <a:latin typeface="Arial" panose="020B0604020202020204" pitchFamily="34" charset="0"/>
+                <a:cs typeface="Arial" panose="020B0604020202020204" pitchFamily="34" charset="0"/>
+              </a:rPr>
+              <a:t>Competition: </a:t>
+            </a:r>
+            <a:r>
+              <a:rPr lang="en-CA" sz="1200" dirty="0">
+                <a:latin typeface="Arial" panose="020B0604020202020204" pitchFamily="34" charset="0"/>
+                <a:cs typeface="Arial" panose="020B0604020202020204" pitchFamily="34" charset="0"/>
+              </a:rPr>
+              <a:t>Traditionally, our main competitor in the fitness tracker space is </a:t>
+            </a:r>
+            <a:r>
+              <a:rPr lang="en-CA" sz="1200" dirty="0" err="1">
+                <a:latin typeface="Arial" panose="020B0604020202020204" pitchFamily="34" charset="0"/>
+                <a:cs typeface="Arial" panose="020B0604020202020204" pitchFamily="34" charset="0"/>
+              </a:rPr>
+              <a:t>Bitfit</a:t>
+            </a:r>
+            <a:r>
+              <a:rPr lang="en-CA" sz="1200" dirty="0">
+                <a:latin typeface="Arial" panose="020B0604020202020204" pitchFamily="34" charset="0"/>
+                <a:cs typeface="Arial" panose="020B0604020202020204" pitchFamily="34" charset="0"/>
+              </a:rPr>
+              <a:t>, a company that has exclusively focused on personal fitness tracking devices. Their devices are smaller, the price point is lower, and their app currently offers more insights. They have designed and marketed their product for the average consumer who is interested in living a healthy lifestyle.</a:t>
+            </a:r>
+          </a:p>
+          <a:p>
+            <a:endParaRPr lang="en-CA" sz="1200" dirty="0">
+              <a:latin typeface="Arial" panose="020B0604020202020204" pitchFamily="34" charset="0"/>
+              <a:cs typeface="Arial" panose="020B0604020202020204" pitchFamily="34" charset="0"/>
+            </a:endParaRPr>
+          </a:p>
+          <a:p>
+            <a:r>
+              <a:rPr lang="en-CA" sz="1200" b="1" dirty="0">
+                <a:latin typeface="Arial" panose="020B0604020202020204" pitchFamily="34" charset="0"/>
+                <a:cs typeface="Arial" panose="020B0604020202020204" pitchFamily="34" charset="0"/>
+              </a:rPr>
+              <a:t>Situation:</a:t>
+            </a:r>
+            <a:r>
+              <a:rPr lang="en-CA" sz="1200" dirty="0">
+                <a:latin typeface="Arial" panose="020B0604020202020204" pitchFamily="34" charset="0"/>
+                <a:cs typeface="Arial" panose="020B0604020202020204" pitchFamily="34" charset="0"/>
+              </a:rPr>
+              <a:t> Wearables are a growing market. We want to not only grow with that market but also gain market share. To compete with </a:t>
+            </a:r>
+            <a:r>
+              <a:rPr lang="en-CA" sz="1200" dirty="0" err="1">
+                <a:latin typeface="Arial" panose="020B0604020202020204" pitchFamily="34" charset="0"/>
+                <a:cs typeface="Arial" panose="020B0604020202020204" pitchFamily="34" charset="0"/>
+              </a:rPr>
+              <a:t>Bitfit</a:t>
+            </a:r>
+            <a:r>
+              <a:rPr lang="en-CA" sz="1200" dirty="0">
+                <a:latin typeface="Arial" panose="020B0604020202020204" pitchFamily="34" charset="0"/>
+                <a:cs typeface="Arial" panose="020B0604020202020204" pitchFamily="34" charset="0"/>
+              </a:rPr>
+              <a:t>, we’ve recently expanded our product offerings. We’ve added the ‘Active’ and ‘Advance’ lines at a more approachable price point for the average </a:t>
+            </a:r>
+          </a:p>
+          <a:p>
+            <a:r>
+              <a:rPr lang="en-CA" sz="1200" dirty="0">
+                <a:latin typeface="Arial" panose="020B0604020202020204" pitchFamily="34" charset="0"/>
+                <a:cs typeface="Arial" panose="020B0604020202020204" pitchFamily="34" charset="0"/>
+              </a:rPr>
+              <a:t>We'd like to bring you on board to help us with some key insights for marketing and product considerations. Some of our key questions are below. I'd also like to highlight that ethical treatment of our customer data is a key part of our business values, and it would be great to emphasize these considerations in your report.</a:t>
+            </a:r>
+            <a:br>
+              <a:rPr lang="en-CA" sz="1200" dirty="0">
+                <a:latin typeface="Arial" panose="020B0604020202020204" pitchFamily="34" charset="0"/>
+                <a:cs typeface="Arial" panose="020B0604020202020204" pitchFamily="34" charset="0"/>
+              </a:rPr>
+            </a:br>
+            <a:endParaRPr lang="en-CA" sz="1200" dirty="0">
+              <a:latin typeface="Arial" panose="020B0604020202020204" pitchFamily="34" charset="0"/>
+              <a:cs typeface="Arial" panose="020B0604020202020204" pitchFamily="34" charset="0"/>
+            </a:endParaRPr>
+          </a:p>
+          <a:p>
+            <a:r>
+              <a:rPr lang="en-CA" sz="1200" b="1" dirty="0">
+                <a:latin typeface="Arial" panose="020B0604020202020204" pitchFamily="34" charset="0"/>
+                <a:cs typeface="Arial" panose="020B0604020202020204" pitchFamily="34" charset="0"/>
+              </a:rPr>
+              <a:t>Questions:</a:t>
+            </a:r>
+            <a:endParaRPr lang="en-CA" sz="1200" dirty="0">
+              <a:latin typeface="Arial" panose="020B0604020202020204" pitchFamily="34" charset="0"/>
+              <a:cs typeface="Arial" panose="020B0604020202020204" pitchFamily="34" charset="0"/>
+            </a:endParaRPr>
+          </a:p>
+          <a:p>
+            <a:pPr marL="285750" indent="-285750">
+              <a:buFont typeface="Arial" panose="020B0604020202020204" pitchFamily="34" charset="0"/>
+              <a:buChar char="•"/>
+            </a:pPr>
+            <a:r>
+              <a:rPr lang="en-CA" sz="1200" dirty="0">
+                <a:latin typeface="Arial" panose="020B0604020202020204" pitchFamily="34" charset="0"/>
+                <a:cs typeface="Arial" panose="020B0604020202020204" pitchFamily="34" charset="0"/>
+              </a:rPr>
+              <a:t>Our </a:t>
+            </a:r>
+            <a:r>
+              <a:rPr lang="en-CA" sz="1200" b="1" dirty="0">
+                <a:latin typeface="Arial" panose="020B0604020202020204" pitchFamily="34" charset="0"/>
+                <a:cs typeface="Arial" panose="020B0604020202020204" pitchFamily="34" charset="0"/>
+              </a:rPr>
+              <a:t>marketing team</a:t>
+            </a:r>
+            <a:r>
+              <a:rPr lang="en-CA" sz="1200" dirty="0">
+                <a:latin typeface="Arial" panose="020B0604020202020204" pitchFamily="34" charset="0"/>
+                <a:cs typeface="Arial" panose="020B0604020202020204" pitchFamily="34" charset="0"/>
+              </a:rPr>
+              <a:t> wants information to inform their strategy in the Canadian market. Who are our new customers? How are buyers of the newer and more affordable 'Active' and 'Advance' products different to our traditional customers? We're especially interested in understanding if these two lines have attracted customers outside of our traditionally higher-income base.</a:t>
+            </a:r>
+          </a:p>
+          <a:p>
+            <a:pPr marL="285750" indent="-285750">
+              <a:buFont typeface="Arial" panose="020B0604020202020204" pitchFamily="34" charset="0"/>
+              <a:buChar char="•"/>
+            </a:pPr>
+            <a:r>
+              <a:rPr lang="en-CA" sz="1200" dirty="0">
+                <a:latin typeface="Arial" panose="020B0604020202020204" pitchFamily="34" charset="0"/>
+                <a:cs typeface="Arial" panose="020B0604020202020204" pitchFamily="34" charset="0"/>
+              </a:rPr>
+              <a:t>Our </a:t>
+            </a:r>
+            <a:r>
+              <a:rPr lang="en-CA" sz="1200" b="1" dirty="0">
+                <a:latin typeface="Arial" panose="020B0604020202020204" pitchFamily="34" charset="0"/>
+                <a:cs typeface="Arial" panose="020B0604020202020204" pitchFamily="34" charset="0"/>
+              </a:rPr>
+              <a:t>social media team</a:t>
+            </a:r>
+            <a:r>
+              <a:rPr lang="en-CA" sz="1200" dirty="0">
+                <a:latin typeface="Arial" panose="020B0604020202020204" pitchFamily="34" charset="0"/>
+                <a:cs typeface="Arial" panose="020B0604020202020204" pitchFamily="34" charset="0"/>
+              </a:rPr>
+              <a:t> is currently tracking a trend in complaints that our devices are performing poorly for users with darker skin, particularly with respect to </a:t>
+            </a:r>
+            <a:r>
+              <a:rPr lang="en-CA" sz="1200" b="1" dirty="0">
+                <a:latin typeface="Arial" panose="020B0604020202020204" pitchFamily="34" charset="0"/>
+                <a:cs typeface="Arial" panose="020B0604020202020204" pitchFamily="34" charset="0"/>
+              </a:rPr>
+              <a:t>sleep scores</a:t>
+            </a:r>
+            <a:r>
+              <a:rPr lang="en-CA" sz="1200" dirty="0">
+                <a:latin typeface="Arial" panose="020B0604020202020204" pitchFamily="34" charset="0"/>
+                <a:cs typeface="Arial" panose="020B0604020202020204" pitchFamily="34" charset="0"/>
+              </a:rPr>
+              <a:t>. Could you investigate this? We don’t collect data on race or ethnicity but want to ensure we're taking this concern seriously as having our devices labelled as 'racist' would be very damaging and of course, not in line with our values as a company.  </a:t>
+            </a:r>
+          </a:p>
+          <a:p>
+            <a:pPr marL="285750" indent="-285750">
+              <a:buFont typeface="Arial" panose="020B0604020202020204" pitchFamily="34" charset="0"/>
+              <a:buChar char="•"/>
+            </a:pPr>
+            <a:r>
+              <a:rPr lang="en-CA" sz="1200" dirty="0">
+                <a:latin typeface="Arial" panose="020B0604020202020204" pitchFamily="34" charset="0"/>
+                <a:cs typeface="Arial" panose="020B0604020202020204" pitchFamily="34" charset="0"/>
+              </a:rPr>
+              <a:t>Obviously, this data is sensitive and of commercial significance. NDAs will be required from anyone working on the project.</a:t>
+            </a:r>
+          </a:p>
+          <a:p>
+            <a:endParaRPr lang="en-CA" sz="1200" b="1" dirty="0">
+              <a:latin typeface="Arial" panose="020B0604020202020204" pitchFamily="34" charset="0"/>
+              <a:cs typeface="Arial" panose="020B0604020202020204" pitchFamily="34" charset="0"/>
+            </a:endParaRPr>
+          </a:p>
+          <a:p>
+            <a:r>
+              <a:rPr lang="en-CA" sz="1200" b="1" dirty="0">
+                <a:latin typeface="Arial" panose="020B0604020202020204" pitchFamily="34" charset="0"/>
+                <a:cs typeface="Arial" panose="020B0604020202020204" pitchFamily="34" charset="0"/>
+              </a:rPr>
+              <a:t>I’ll be able to provide:</a:t>
+            </a:r>
+            <a:r>
+              <a:rPr lang="en-CA" sz="1200" dirty="0">
+                <a:latin typeface="Arial" panose="020B0604020202020204" pitchFamily="34" charset="0"/>
+                <a:cs typeface="Arial" panose="020B0604020202020204" pitchFamily="34" charset="0"/>
+              </a:rPr>
+              <a:t> </a:t>
+            </a:r>
+          </a:p>
+          <a:p>
+            <a:pPr marL="285750" indent="-285750">
+              <a:buFont typeface="Arial" panose="020B0604020202020204" pitchFamily="34" charset="0"/>
+              <a:buChar char="•"/>
+            </a:pPr>
+            <a:r>
+              <a:rPr lang="en-CA" sz="1200" dirty="0">
+                <a:latin typeface="Arial" panose="020B0604020202020204" pitchFamily="34" charset="0"/>
+                <a:cs typeface="Arial" panose="020B0604020202020204" pitchFamily="34" charset="0"/>
+              </a:rPr>
+              <a:t>Customer-level data (age, gender, etc.)</a:t>
+            </a:r>
+          </a:p>
+          <a:p>
+            <a:pPr marL="285750" indent="-285750">
+              <a:buFont typeface="Arial" panose="020B0604020202020204" pitchFamily="34" charset="0"/>
+              <a:buChar char="•"/>
+            </a:pPr>
+            <a:r>
+              <a:rPr lang="en-CA" sz="1200" dirty="0">
+                <a:latin typeface="Arial" panose="020B0604020202020204" pitchFamily="34" charset="0"/>
+                <a:cs typeface="Arial" panose="020B0604020202020204" pitchFamily="34" charset="0"/>
+              </a:rPr>
+              <a:t>Customer-device linkage data</a:t>
+            </a:r>
+          </a:p>
+          <a:p>
+            <a:pPr marL="285750" indent="-285750">
+              <a:buFont typeface="Arial" panose="020B0604020202020204" pitchFamily="34" charset="0"/>
+              <a:buChar char="•"/>
+            </a:pPr>
+            <a:r>
+              <a:rPr lang="en-CA" sz="1200" dirty="0">
+                <a:latin typeface="Arial" panose="020B0604020202020204" pitchFamily="34" charset="0"/>
+                <a:cs typeface="Arial" panose="020B0604020202020204" pitchFamily="34" charset="0"/>
+              </a:rPr>
+              <a:t>Device data (this is an industry updated resource </a:t>
+            </a:r>
+            <a:r>
+              <a:rPr lang="en-CA" sz="1200" dirty="0">
+                <a:latin typeface="Arial" panose="020B0604020202020204" pitchFamily="34" charset="0"/>
+                <a:cs typeface="Arial" panose="020B0604020202020204" pitchFamily="34" charset="0"/>
+                <a:hlinkClick r:id="rId2"/>
+              </a:rPr>
+              <a:t>https://fitnesstrackerinfohub.netlify.app/</a:t>
+            </a:r>
+            <a:r>
+              <a:rPr lang="en-CA" sz="1200" dirty="0">
+                <a:latin typeface="Arial" panose="020B0604020202020204" pitchFamily="34" charset="0"/>
+                <a:cs typeface="Arial" panose="020B0604020202020204" pitchFamily="34" charset="0"/>
+              </a:rPr>
+              <a:t>)</a:t>
+            </a:r>
+            <a:br>
+              <a:rPr lang="en-CA" sz="1200" dirty="0">
+                <a:latin typeface="Arial" panose="020B0604020202020204" pitchFamily="34" charset="0"/>
+                <a:cs typeface="Arial" panose="020B0604020202020204" pitchFamily="34" charset="0"/>
+              </a:rPr>
+            </a:br>
+            <a:endParaRPr lang="en-CA" sz="1200" dirty="0">
+              <a:latin typeface="Arial" panose="020B0604020202020204" pitchFamily="34" charset="0"/>
+              <a:cs typeface="Arial" panose="020B0604020202020204" pitchFamily="34" charset="0"/>
+            </a:endParaRPr>
+          </a:p>
+          <a:p>
+            <a:r>
+              <a:rPr lang="en-CA" sz="1200" dirty="0">
+                <a:latin typeface="Arial" panose="020B0604020202020204" pitchFamily="34" charset="0"/>
+                <a:cs typeface="Arial" panose="020B0604020202020204" pitchFamily="34" charset="0"/>
+              </a:rPr>
+              <a:t>Let me know if you have any questions, and if you’re ready to get the ball rolling, please complete this NDA (docx or pdf) and submit them through our NDA portal. After that, I’ll reach out with the data. Would be great if the final deliverable could have a summary targeted for the Board of Directors, as well as a more technical piece for our in-house analyst team to look over as well.</a:t>
+            </a:r>
+          </a:p>
+          <a:p>
+            <a:endParaRPr lang="en-CA" sz="1200" dirty="0">
+              <a:latin typeface="Arial" panose="020B0604020202020204" pitchFamily="34" charset="0"/>
+              <a:cs typeface="Arial" panose="020B0604020202020204" pitchFamily="34" charset="0"/>
+            </a:endParaRPr>
+          </a:p>
+          <a:p>
+            <a:r>
+              <a:rPr lang="en-CA" sz="1200" dirty="0">
+                <a:latin typeface="Arial" panose="020B0604020202020204" pitchFamily="34" charset="0"/>
+                <a:cs typeface="Arial" panose="020B0604020202020204" pitchFamily="34" charset="0"/>
+              </a:rPr>
+              <a:t>I assume same fee structure as last time applies? That will be fine on our end. Will pay hourly with a cap at 40 hours unless otherwise discussed.</a:t>
+            </a:r>
+          </a:p>
+          <a:p>
+            <a:endParaRPr lang="en-CA" sz="1200" dirty="0">
+              <a:latin typeface="Arial" panose="020B0604020202020204" pitchFamily="34" charset="0"/>
+              <a:cs typeface="Arial" panose="020B0604020202020204" pitchFamily="34" charset="0"/>
+            </a:endParaRPr>
+          </a:p>
+          <a:p>
+            <a:r>
+              <a:rPr lang="en-CA" sz="1200" dirty="0">
+                <a:latin typeface="Arial" panose="020B0604020202020204" pitchFamily="34" charset="0"/>
+                <a:cs typeface="Arial" panose="020B0604020202020204" pitchFamily="34" charset="0"/>
+              </a:rPr>
+              <a:t>Best, </a:t>
+            </a:r>
+          </a:p>
+          <a:p>
+            <a:r>
+              <a:rPr lang="en-CA" sz="1200" dirty="0">
+                <a:latin typeface="Arial" panose="020B0604020202020204" pitchFamily="34" charset="0"/>
+                <a:cs typeface="Arial" panose="020B0604020202020204" pitchFamily="34" charset="0"/>
+              </a:rPr>
+              <a:t>Roberta Fettucine</a:t>
+            </a:r>
+            <a:br>
+              <a:rPr lang="en-CA" sz="1200" dirty="0">
+                <a:latin typeface="Arial" panose="020B0604020202020204" pitchFamily="34" charset="0"/>
+                <a:cs typeface="Arial" panose="020B0604020202020204" pitchFamily="34" charset="0"/>
+              </a:rPr>
+            </a:br>
+            <a:endParaRPr lang="en-CA" sz="1200" dirty="0">
+              <a:latin typeface="Arial" panose="020B0604020202020204" pitchFamily="34" charset="0"/>
+              <a:cs typeface="Arial" panose="020B0604020202020204" pitchFamily="34" charset="0"/>
+            </a:endParaRPr>
+          </a:p>
+          <a:p>
+            <a:r>
+              <a:rPr lang="en-CA" sz="1200" dirty="0">
+                <a:latin typeface="Arial" panose="020B0604020202020204" pitchFamily="34" charset="0"/>
+                <a:cs typeface="Arial" panose="020B0604020202020204" pitchFamily="34" charset="0"/>
+              </a:rPr>
+              <a:t>Product Manager, Wearables | MINGAR</a:t>
+            </a:r>
+          </a:p>
+          <a:p>
+            <a:endParaRPr lang="en-CA" sz="1200" dirty="0">
+              <a:latin typeface="Arial" panose="020B0604020202020204" pitchFamily="34" charset="0"/>
+              <a:cs typeface="Arial" panose="020B0604020202020204" pitchFamily="34" charset="0"/>
+            </a:endParaRPr>
+          </a:p>
+        </p:txBody>
+      </p:sp>
+      <p:sp>
+        <p:nvSpPr>
+          <p:cNvPr id="6" name="TextBox 5">
+            <a:extLst>
+              <a:ext uri="{FF2B5EF4-FFF2-40B4-BE49-F238E27FC236}">
+                <a16:creationId xmlns:a16="http://schemas.microsoft.com/office/drawing/2014/main" id="{45C7F497-E35B-AE42-9418-3E119902EC12}"/>
+              </a:ext>
+            </a:extLst>
+          </p:cNvPr>
+          <p:cNvSpPr txBox="1"/>
+          <p:nvPr/>
+        </p:nvSpPr>
+        <p:spPr>
+          <a:xfrm>
+            <a:off x="70452" y="12020454"/>
+            <a:ext cx="2550698" cy="795474"/>
+          </a:xfrm>
+          <a:prstGeom prst="rect">
+            <a:avLst/>
+          </a:prstGeom>
+          <a:noFill/>
+        </p:spPr>
+        <p:txBody>
+          <a:bodyPr wrap="none" rtlCol="0">
+            <a:spAutoFit/>
+          </a:bodyPr>
+          <a:lstStyle/>
+          <a:p>
+            <a:r>
+              <a:rPr lang="en-CA" sz="4569" dirty="0">
+                <a:latin typeface="Lato" panose="020F0502020204030203" pitchFamily="34" charset="77"/>
+              </a:rPr>
+              <a:t>MINGAR</a:t>
+            </a:r>
+          </a:p>
+        </p:txBody>
+      </p:sp>
+      <p:sp>
+        <p:nvSpPr>
+          <p:cNvPr id="7" name="Triangle 6">
+            <a:extLst>
+              <a:ext uri="{FF2B5EF4-FFF2-40B4-BE49-F238E27FC236}">
+                <a16:creationId xmlns:a16="http://schemas.microsoft.com/office/drawing/2014/main" id="{1A83816B-F64C-1043-B8E2-9F4D3BA4B4E8}"/>
+              </a:ext>
+            </a:extLst>
+          </p:cNvPr>
+          <p:cNvSpPr>
+            <a:spLocks noChangeAspect="1"/>
+          </p:cNvSpPr>
+          <p:nvPr/>
+        </p:nvSpPr>
+        <p:spPr>
+          <a:xfrm rot="10800000">
+            <a:off x="227211" y="12699796"/>
+            <a:ext cx="348477" cy="264205"/>
+          </a:xfrm>
+          <a:prstGeom prst="triangle">
+            <a:avLst>
+              <a:gd name="adj" fmla="val 50350"/>
+            </a:avLst>
+          </a:prstGeom>
+          <a:solidFill>
+            <a:srgbClr val="C00000"/>
+          </a:solidFill>
+          <a:ln>
+            <a:noFill/>
+          </a:ln>
+        </p:spPr>
+        <p:style>
+          <a:lnRef idx="2">
+            <a:schemeClr val="accent1">
+              <a:shade val="50000"/>
+            </a:schemeClr>
+          </a:lnRef>
+          <a:fillRef idx="1">
+            <a:schemeClr val="accent1"/>
+          </a:fillRef>
+          <a:effectRef idx="0">
+            <a:schemeClr val="accent1"/>
+          </a:effectRef>
+          <a:fontRef idx="minor">
+            <a:schemeClr val="lt1"/>
+          </a:fontRef>
+        </p:style>
+        <p:txBody>
+          <a:bodyPr rtlCol="0" anchor="ctr">
+            <a:scene3d>
+              <a:camera prst="orthographicFront"/>
+              <a:lightRig rig="threePt" dir="t"/>
+            </a:scene3d>
+            <a:sp3d extrusionH="57150">
+              <a:bevelT w="38100" h="38100"/>
+            </a:sp3d>
+          </a:bodyPr>
+          <a:lstStyle/>
+          <a:p>
+            <a:pPr algn="ctr"/>
+            <a:endParaRPr lang="en-CA" sz="1246"/>
+          </a:p>
+        </p:txBody>
+      </p:sp>
+      <p:pic>
+        <p:nvPicPr>
+          <p:cNvPr id="9" name="Picture 8" descr="Icon&#10;&#10;Description automatically generated with medium confidence">
+            <a:extLst>
+              <a:ext uri="{FF2B5EF4-FFF2-40B4-BE49-F238E27FC236}">
+                <a16:creationId xmlns:a16="http://schemas.microsoft.com/office/drawing/2014/main" id="{B385236D-E394-4E4F-BC47-A7EDF231038B}"/>
+              </a:ext>
+            </a:extLst>
+          </p:cNvPr>
+          <p:cNvPicPr>
+            <a:picLocks noChangeAspect="1"/>
+          </p:cNvPicPr>
+          <p:nvPr/>
+        </p:nvPicPr>
+        <p:blipFill>
+          <a:blip r:embed="rId3"/>
+          <a:stretch>
+            <a:fillRect/>
+          </a:stretch>
+        </p:blipFill>
+        <p:spPr>
+          <a:xfrm>
+            <a:off x="110359" y="13142250"/>
+            <a:ext cx="2242320" cy="448464"/>
+          </a:xfrm>
+          <a:prstGeom prst="rect">
+            <a:avLst/>
+          </a:prstGeom>
+        </p:spPr>
+      </p:pic>
+      <p:pic>
+        <p:nvPicPr>
+          <p:cNvPr id="11" name="Picture 10" descr="Background pattern&#10;&#10;Description automatically generated with low confidence">
+            <a:extLst>
+              <a:ext uri="{FF2B5EF4-FFF2-40B4-BE49-F238E27FC236}">
+                <a16:creationId xmlns:a16="http://schemas.microsoft.com/office/drawing/2014/main" id="{A192B14B-41F9-C84E-9C0F-D778FC9B573A}"/>
+              </a:ext>
+            </a:extLst>
+          </p:cNvPr>
+          <p:cNvPicPr>
+            <a:picLocks noChangeAspect="1"/>
+          </p:cNvPicPr>
+          <p:nvPr/>
+        </p:nvPicPr>
+        <p:blipFill>
+          <a:blip r:embed="rId4"/>
+          <a:stretch>
+            <a:fillRect/>
+          </a:stretch>
+        </p:blipFill>
+        <p:spPr>
+          <a:xfrm>
+            <a:off x="0" y="49106"/>
+            <a:ext cx="6858000" cy="952973"/>
+          </a:xfrm>
+          <a:prstGeom prst="rect">
+            <a:avLst/>
+          </a:prstGeom>
+        </p:spPr>
+      </p:pic>
+      <p:sp>
+        <p:nvSpPr>
+          <p:cNvPr id="12" name="TextBox 11">
+            <a:extLst>
+              <a:ext uri="{FF2B5EF4-FFF2-40B4-BE49-F238E27FC236}">
+                <a16:creationId xmlns:a16="http://schemas.microsoft.com/office/drawing/2014/main" id="{3C8B8F67-54DB-F543-8F60-06A47D80691A}"/>
+              </a:ext>
+            </a:extLst>
+          </p:cNvPr>
+          <p:cNvSpPr txBox="1"/>
+          <p:nvPr/>
+        </p:nvSpPr>
+        <p:spPr>
+          <a:xfrm rot="10800000" flipV="1">
+            <a:off x="490778" y="567685"/>
+            <a:ext cx="3558709" cy="246221"/>
+          </a:xfrm>
+          <a:prstGeom prst="rect">
+            <a:avLst/>
+          </a:prstGeom>
+          <a:solidFill>
+            <a:schemeClr val="bg1"/>
+          </a:solidFill>
+        </p:spPr>
+        <p:txBody>
+          <a:bodyPr wrap="square" rtlCol="0">
+            <a:spAutoFit/>
+          </a:bodyPr>
+          <a:lstStyle/>
+          <a:p>
+            <a:r>
+              <a:rPr lang="en-CA" sz="1000" b="1" dirty="0">
+                <a:latin typeface="Arial" panose="020B0604020202020204" pitchFamily="34" charset="0"/>
+                <a:cs typeface="Arial" panose="020B0604020202020204" pitchFamily="34" charset="0"/>
+              </a:rPr>
+              <a:t>Roberta Fettucine </a:t>
+            </a:r>
+            <a:r>
+              <a:rPr lang="en-CA" sz="1000" dirty="0">
+                <a:latin typeface="Arial" panose="020B0604020202020204" pitchFamily="34" charset="0"/>
+                <a:cs typeface="Arial" panose="020B0604020202020204" pitchFamily="34" charset="0"/>
+              </a:rPr>
+              <a:t>&lt;boba.fettucine@mingar.ca&gt;</a:t>
+            </a:r>
+          </a:p>
+        </p:txBody>
+      </p:sp>
+      <p:pic>
+        <p:nvPicPr>
+          <p:cNvPr id="13" name="Picture 12">
+            <a:extLst>
+              <a:ext uri="{FF2B5EF4-FFF2-40B4-BE49-F238E27FC236}">
+                <a16:creationId xmlns:a16="http://schemas.microsoft.com/office/drawing/2014/main" id="{E8623027-6F01-2B40-A357-39B936EE7044}"/>
+              </a:ext>
+            </a:extLst>
+          </p:cNvPr>
+          <p:cNvPicPr>
+            <a:picLocks noChangeAspect="1"/>
+          </p:cNvPicPr>
+          <p:nvPr/>
+        </p:nvPicPr>
+        <p:blipFill rotWithShape="1">
+          <a:blip r:embed="rId5"/>
+          <a:srcRect t="2924" b="22066"/>
+          <a:stretch/>
+        </p:blipFill>
+        <p:spPr>
+          <a:xfrm>
+            <a:off x="70452" y="591201"/>
+            <a:ext cx="400650" cy="400701"/>
+          </a:xfrm>
+          <a:prstGeom prst="ellipse">
+            <a:avLst/>
+          </a:prstGeom>
+        </p:spPr>
+      </p:pic>
+    </p:spTree>
+    <p:extLst>
+      <p:ext uri="{BB962C8B-B14F-4D97-AF65-F5344CB8AC3E}">
+        <p14:creationId xmlns:p14="http://schemas.microsoft.com/office/powerpoint/2010/main" val="701819576"/>
+      </p:ext>
+    </p:extLst>
+  </p:cSld>
+  <p:clrMapOvr>
+    <a:masterClrMapping/>
+  </p:clrMapOvr>
+</p:sld>
+</file>
+
 <file path=ppt/theme/theme1.xml><?xml version="1.0" encoding="utf-8"?>
 <a:theme xmlns:a="http://schemas.openxmlformats.org/drawingml/2006/main" name="Office Theme">
   <a:themeElements>
-    <a:clrScheme name="Office">
+    <a:clrScheme name="Office Theme">
       <a:dk1>
         <a:sysClr val="windowText" lastClr="000000"/>
       </a:dk1>
@@ -3497,7 +3856,7 @@
         <a:srgbClr val="954F72"/>
       </a:folHlink>
     </a:clrScheme>
-    <a:fontScheme name="Office">
+    <a:fontScheme name="Office Theme">
       <a:majorFont>
         <a:latin typeface="Calibri Light" panose="020F0302020204030204"/>
         <a:ea typeface=""/>
@@ -3532,23 +3891,6 @@
         <a:font script="Viet" typeface="Times New Roman"/>
         <a:font script="Uigh" typeface="Microsoft Uighur"/>
         <a:font script="Geor" typeface="Sylfaen"/>
-        <a:font script="Armn" typeface="Arial"/>
-        <a:font script="Bugi" typeface="Leelawadee UI"/>
-        <a:font script="Bopo" typeface="Microsoft JhengHei"/>
-        <a:font script="Java" typeface="Javanese Text"/>
-        <a:font script="Lisu" typeface="Segoe UI"/>
-        <a:font script="Mymr" typeface="Myanmar Text"/>
-        <a:font script="Nkoo" typeface="Ebrima"/>
-        <a:font script="Olck" typeface="Nirmala UI"/>
-        <a:font script="Osma" typeface="Ebrima"/>
-        <a:font script="Phag" typeface="Phagspa"/>
-        <a:font script="Syrn" typeface="Estrangelo Edessa"/>
-        <a:font script="Syrj" typeface="Estrangelo Edessa"/>
-        <a:font script="Syre" typeface="Estrangelo Edessa"/>
-        <a:font script="Sora" typeface="Nirmala UI"/>
-        <a:font script="Tale" typeface="Microsoft Tai Le"/>
-        <a:font script="Talu" typeface="Microsoft New Tai Lue"/>
-        <a:font script="Tfng" typeface="Ebrima"/>
       </a:majorFont>
       <a:minorFont>
         <a:latin typeface="Calibri" panose="020F0502020204030204"/>
@@ -3584,26 +3926,9 @@
         <a:font script="Viet" typeface="Arial"/>
         <a:font script="Uigh" typeface="Microsoft Uighur"/>
         <a:font script="Geor" typeface="Sylfaen"/>
-        <a:font script="Armn" typeface="Arial"/>
-        <a:font script="Bugi" typeface="Leelawadee UI"/>
-        <a:font script="Bopo" typeface="Microsoft JhengHei"/>
-        <a:font script="Java" typeface="Javanese Text"/>
-        <a:font script="Lisu" typeface="Segoe UI"/>
-        <a:font script="Mymr" typeface="Myanmar Text"/>
-        <a:font script="Nkoo" typeface="Ebrima"/>
-        <a:font script="Olck" typeface="Nirmala UI"/>
-        <a:font script="Osma" typeface="Ebrima"/>
-        <a:font script="Phag" typeface="Phagspa"/>
-        <a:font script="Syrn" typeface="Estrangelo Edessa"/>
-        <a:font script="Syrj" typeface="Estrangelo Edessa"/>
-        <a:font script="Syre" typeface="Estrangelo Edessa"/>
-        <a:font script="Sora" typeface="Nirmala UI"/>
-        <a:font script="Tale" typeface="Microsoft Tai Le"/>
-        <a:font script="Talu" typeface="Microsoft New Tai Lue"/>
-        <a:font script="Tfng" typeface="Ebrima"/>
       </a:minorFont>
     </a:fontScheme>
-    <a:fmtScheme name="Office">
+    <a:fmtScheme name="Office Theme">
       <a:fillStyleLst>
         <a:solidFill>
           <a:schemeClr val="phClr"/>
